--- a/Assignment1/資料作成用(イメージ作成).pptx
+++ b/Assignment1/資料作成用(イメージ作成).pptx
@@ -6,6 +6,12 @@
   </p:sldMasterIdLst>
   <p:sldIdLst>
     <p:sldId id="256" r:id="rId2"/>
+    <p:sldId id="257" r:id="rId3"/>
+    <p:sldId id="261" r:id="rId4"/>
+    <p:sldId id="260" r:id="rId5"/>
+    <p:sldId id="262" r:id="rId6"/>
+    <p:sldId id="263" r:id="rId7"/>
+    <p:sldId id="264" r:id="rId8"/>
   </p:sldIdLst>
   <p:sldSz cx="12192000" cy="6858000"/>
   <p:notesSz cx="6858000" cy="9144000"/>
@@ -104,6 +110,11 @@
       </a:defRPr>
     </a:lvl9pPr>
   </p:defaultTextStyle>
+  <p:extLst>
+    <p:ext uri="{EFAFB233-063F-42B5-8137-9DF3F51BA10A}">
+      <p15:sldGuideLst xmlns:p15="http://schemas.microsoft.com/office/powerpoint/2012/main"/>
+    </p:ext>
+  </p:extLst>
 </p:presentation>
 </file>
 
@@ -254,7 +265,7 @@
           <a:p>
             <a:fld id="{8124EB0D-56F6-4956-8E81-65A9C402D7AF}" type="datetimeFigureOut">
               <a:rPr kumimoji="1" lang="ja-JP" altLang="en-US" smtClean="0"/>
-              <a:t>2020/8/31</a:t>
+              <a:t>2020/9/1</a:t>
             </a:fld>
             <a:endParaRPr kumimoji="1" lang="ja-JP" altLang="en-US"/>
           </a:p>
@@ -484,7 +495,7 @@
           <a:p>
             <a:fld id="{8124EB0D-56F6-4956-8E81-65A9C402D7AF}" type="datetimeFigureOut">
               <a:rPr kumimoji="1" lang="ja-JP" altLang="en-US" smtClean="0"/>
-              <a:t>2020/8/31</a:t>
+              <a:t>2020/9/1</a:t>
             </a:fld>
             <a:endParaRPr kumimoji="1" lang="ja-JP" altLang="en-US"/>
           </a:p>
@@ -724,7 +735,7 @@
           <a:p>
             <a:fld id="{8124EB0D-56F6-4956-8E81-65A9C402D7AF}" type="datetimeFigureOut">
               <a:rPr kumimoji="1" lang="ja-JP" altLang="en-US" smtClean="0"/>
-              <a:t>2020/8/31</a:t>
+              <a:t>2020/9/1</a:t>
             </a:fld>
             <a:endParaRPr kumimoji="1" lang="ja-JP" altLang="en-US"/>
           </a:p>
@@ -954,7 +965,7 @@
           <a:p>
             <a:fld id="{8124EB0D-56F6-4956-8E81-65A9C402D7AF}" type="datetimeFigureOut">
               <a:rPr kumimoji="1" lang="ja-JP" altLang="en-US" smtClean="0"/>
-              <a:t>2020/8/31</a:t>
+              <a:t>2020/9/1</a:t>
             </a:fld>
             <a:endParaRPr kumimoji="1" lang="ja-JP" altLang="en-US"/>
           </a:p>
@@ -1229,7 +1240,7 @@
           <a:p>
             <a:fld id="{8124EB0D-56F6-4956-8E81-65A9C402D7AF}" type="datetimeFigureOut">
               <a:rPr kumimoji="1" lang="ja-JP" altLang="en-US" smtClean="0"/>
-              <a:t>2020/8/31</a:t>
+              <a:t>2020/9/1</a:t>
             </a:fld>
             <a:endParaRPr kumimoji="1" lang="ja-JP" altLang="en-US"/>
           </a:p>
@@ -1558,7 +1569,7 @@
           <a:p>
             <a:fld id="{8124EB0D-56F6-4956-8E81-65A9C402D7AF}" type="datetimeFigureOut">
               <a:rPr kumimoji="1" lang="ja-JP" altLang="en-US" smtClean="0"/>
-              <a:t>2020/8/31</a:t>
+              <a:t>2020/9/1</a:t>
             </a:fld>
             <a:endParaRPr kumimoji="1" lang="ja-JP" altLang="en-US"/>
           </a:p>
@@ -2034,7 +2045,7 @@
           <a:p>
             <a:fld id="{8124EB0D-56F6-4956-8E81-65A9C402D7AF}" type="datetimeFigureOut">
               <a:rPr kumimoji="1" lang="ja-JP" altLang="en-US" smtClean="0"/>
-              <a:t>2020/8/31</a:t>
+              <a:t>2020/9/1</a:t>
             </a:fld>
             <a:endParaRPr kumimoji="1" lang="ja-JP" altLang="en-US"/>
           </a:p>
@@ -2175,7 +2186,7 @@
           <a:p>
             <a:fld id="{8124EB0D-56F6-4956-8E81-65A9C402D7AF}" type="datetimeFigureOut">
               <a:rPr kumimoji="1" lang="ja-JP" altLang="en-US" smtClean="0"/>
-              <a:t>2020/8/31</a:t>
+              <a:t>2020/9/1</a:t>
             </a:fld>
             <a:endParaRPr kumimoji="1" lang="ja-JP" altLang="en-US"/>
           </a:p>
@@ -2288,7 +2299,7 @@
           <a:p>
             <a:fld id="{8124EB0D-56F6-4956-8E81-65A9C402D7AF}" type="datetimeFigureOut">
               <a:rPr kumimoji="1" lang="ja-JP" altLang="en-US" smtClean="0"/>
-              <a:t>2020/8/31</a:t>
+              <a:t>2020/9/1</a:t>
             </a:fld>
             <a:endParaRPr kumimoji="1" lang="ja-JP" altLang="en-US"/>
           </a:p>
@@ -2631,7 +2642,7 @@
           <a:p>
             <a:fld id="{8124EB0D-56F6-4956-8E81-65A9C402D7AF}" type="datetimeFigureOut">
               <a:rPr kumimoji="1" lang="ja-JP" altLang="en-US" smtClean="0"/>
-              <a:t>2020/8/31</a:t>
+              <a:t>2020/9/1</a:t>
             </a:fld>
             <a:endParaRPr kumimoji="1" lang="ja-JP" altLang="en-US"/>
           </a:p>
@@ -2919,7 +2930,7 @@
           <a:p>
             <a:fld id="{8124EB0D-56F6-4956-8E81-65A9C402D7AF}" type="datetimeFigureOut">
               <a:rPr kumimoji="1" lang="ja-JP" altLang="en-US" smtClean="0"/>
-              <a:t>2020/8/31</a:t>
+              <a:t>2020/9/1</a:t>
             </a:fld>
             <a:endParaRPr kumimoji="1" lang="ja-JP" altLang="en-US"/>
           </a:p>
@@ -3192,7 +3203,7 @@
           <a:p>
             <a:fld id="{8124EB0D-56F6-4956-8E81-65A9C402D7AF}" type="datetimeFigureOut">
               <a:rPr kumimoji="1" lang="ja-JP" altLang="en-US" smtClean="0"/>
-              <a:t>2020/8/31</a:t>
+              <a:t>2020/9/1</a:t>
             </a:fld>
             <a:endParaRPr kumimoji="1" lang="ja-JP" altLang="en-US"/>
           </a:p>
@@ -4036,6 +4047,4664 @@
 </p:sld>
 </file>
 
+<file path=ppt/slides/slide2.xml><?xml version="1.0" encoding="utf-8"?>
+<p:sld xmlns:a="http://schemas.openxmlformats.org/drawingml/2006/main" xmlns:r="http://schemas.openxmlformats.org/officeDocument/2006/relationships" xmlns:p="http://schemas.openxmlformats.org/presentationml/2006/main">
+  <p:cSld>
+    <p:spTree>
+      <p:nvGrpSpPr>
+        <p:cNvPr id="1" name=""/>
+        <p:cNvGrpSpPr/>
+        <p:nvPr/>
+      </p:nvGrpSpPr>
+      <p:grpSpPr>
+        <a:xfrm>
+          <a:off x="0" y="0"/>
+          <a:ext cx="0" cy="0"/>
+          <a:chOff x="0" y="0"/>
+          <a:chExt cx="0" cy="0"/>
+        </a:xfrm>
+      </p:grpSpPr>
+      <p:pic>
+        <p:nvPicPr>
+          <p:cNvPr id="5" name="図 4">
+            <a:extLst>
+              <a:ext uri="{FF2B5EF4-FFF2-40B4-BE49-F238E27FC236}">
+                <a16:creationId xmlns:a16="http://schemas.microsoft.com/office/drawing/2014/main" id="{A9B29500-7185-4B06-A04E-3B27F5F29085}"/>
+              </a:ext>
+            </a:extLst>
+          </p:cNvPr>
+          <p:cNvPicPr>
+            <a:picLocks noChangeAspect="1"/>
+          </p:cNvPicPr>
+          <p:nvPr/>
+        </p:nvPicPr>
+        <p:blipFill>
+          <a:blip r:embed="rId2"/>
+          <a:stretch>
+            <a:fillRect/>
+          </a:stretch>
+        </p:blipFill>
+        <p:spPr>
+          <a:xfrm>
+            <a:off x="6918825" y="2800262"/>
+            <a:ext cx="1209844" cy="1257475"/>
+          </a:xfrm>
+          <a:prstGeom prst="rect">
+            <a:avLst/>
+          </a:prstGeom>
+        </p:spPr>
+      </p:pic>
+      <p:pic>
+        <p:nvPicPr>
+          <p:cNvPr id="6" name="図 5">
+            <a:extLst>
+              <a:ext uri="{FF2B5EF4-FFF2-40B4-BE49-F238E27FC236}">
+                <a16:creationId xmlns:a16="http://schemas.microsoft.com/office/drawing/2014/main" id="{EFC7F7DA-7F1E-4EAD-9153-213EAB9391F2}"/>
+              </a:ext>
+            </a:extLst>
+          </p:cNvPr>
+          <p:cNvPicPr>
+            <a:picLocks noChangeAspect="1"/>
+          </p:cNvPicPr>
+          <p:nvPr/>
+        </p:nvPicPr>
+        <p:blipFill>
+          <a:blip r:embed="rId3"/>
+          <a:stretch>
+            <a:fillRect/>
+          </a:stretch>
+        </p:blipFill>
+        <p:spPr>
+          <a:xfrm>
+            <a:off x="3029314" y="1778655"/>
+            <a:ext cx="1962424" cy="3781953"/>
+          </a:xfrm>
+          <a:prstGeom prst="rect">
+            <a:avLst/>
+          </a:prstGeom>
+        </p:spPr>
+      </p:pic>
+      <p:sp>
+        <p:nvSpPr>
+          <p:cNvPr id="8" name="楕円 7">
+            <a:extLst>
+              <a:ext uri="{FF2B5EF4-FFF2-40B4-BE49-F238E27FC236}">
+                <a16:creationId xmlns:a16="http://schemas.microsoft.com/office/drawing/2014/main" id="{22A0D7E9-9726-4D64-93A5-D9C1E7BA8A03}"/>
+              </a:ext>
+            </a:extLst>
+          </p:cNvPr>
+          <p:cNvSpPr/>
+          <p:nvPr/>
+        </p:nvSpPr>
+        <p:spPr>
+          <a:xfrm>
+            <a:off x="2771701" y="1988598"/>
+            <a:ext cx="301841" cy="274984"/>
+          </a:xfrm>
+          <a:prstGeom prst="ellipse">
+            <a:avLst/>
+          </a:prstGeom>
+        </p:spPr>
+        <p:style>
+          <a:lnRef idx="2">
+            <a:schemeClr val="accent2">
+              <a:shade val="50000"/>
+            </a:schemeClr>
+          </a:lnRef>
+          <a:fillRef idx="1">
+            <a:schemeClr val="accent2"/>
+          </a:fillRef>
+          <a:effectRef idx="0">
+            <a:schemeClr val="accent2"/>
+          </a:effectRef>
+          <a:fontRef idx="minor">
+            <a:schemeClr val="lt1"/>
+          </a:fontRef>
+        </p:style>
+        <p:txBody>
+          <a:bodyPr rtlCol="0" anchor="ctr"/>
+          <a:lstStyle/>
+          <a:p>
+            <a:pPr algn="ctr"/>
+            <a:r>
+              <a:rPr kumimoji="1" lang="en-US" altLang="ja-JP" dirty="0"/>
+              <a:t>1</a:t>
+            </a:r>
+            <a:endParaRPr kumimoji="1" lang="ja-JP" altLang="en-US" dirty="0"/>
+          </a:p>
+        </p:txBody>
+      </p:sp>
+      <p:sp>
+        <p:nvSpPr>
+          <p:cNvPr id="10" name="楕円 9">
+            <a:extLst>
+              <a:ext uri="{FF2B5EF4-FFF2-40B4-BE49-F238E27FC236}">
+                <a16:creationId xmlns:a16="http://schemas.microsoft.com/office/drawing/2014/main" id="{505AAFDB-DE7E-498D-AB23-7A0C2C11A161}"/>
+              </a:ext>
+            </a:extLst>
+          </p:cNvPr>
+          <p:cNvSpPr/>
+          <p:nvPr/>
+        </p:nvSpPr>
+        <p:spPr>
+          <a:xfrm>
+            <a:off x="4947510" y="1988598"/>
+            <a:ext cx="301841" cy="274984"/>
+          </a:xfrm>
+          <a:prstGeom prst="ellipse">
+            <a:avLst/>
+          </a:prstGeom>
+        </p:spPr>
+        <p:style>
+          <a:lnRef idx="2">
+            <a:schemeClr val="accent2">
+              <a:shade val="50000"/>
+            </a:schemeClr>
+          </a:lnRef>
+          <a:fillRef idx="1">
+            <a:schemeClr val="accent2"/>
+          </a:fillRef>
+          <a:effectRef idx="0">
+            <a:schemeClr val="accent2"/>
+          </a:effectRef>
+          <a:fontRef idx="minor">
+            <a:schemeClr val="lt1"/>
+          </a:fontRef>
+        </p:style>
+        <p:txBody>
+          <a:bodyPr rtlCol="0" anchor="ctr"/>
+          <a:lstStyle/>
+          <a:p>
+            <a:pPr algn="ctr"/>
+            <a:r>
+              <a:rPr lang="en-US" altLang="ja-JP" dirty="0"/>
+              <a:t>2</a:t>
+            </a:r>
+            <a:endParaRPr kumimoji="1" lang="en-US" altLang="ja-JP" dirty="0"/>
+          </a:p>
+        </p:txBody>
+      </p:sp>
+      <p:sp>
+        <p:nvSpPr>
+          <p:cNvPr id="12" name="楕円 11">
+            <a:extLst>
+              <a:ext uri="{FF2B5EF4-FFF2-40B4-BE49-F238E27FC236}">
+                <a16:creationId xmlns:a16="http://schemas.microsoft.com/office/drawing/2014/main" id="{6F2B1549-7150-470E-9A8A-04CC72D4772D}"/>
+              </a:ext>
+            </a:extLst>
+          </p:cNvPr>
+          <p:cNvSpPr/>
+          <p:nvPr/>
+        </p:nvSpPr>
+        <p:spPr>
+          <a:xfrm>
+            <a:off x="3859605" y="3532139"/>
+            <a:ext cx="301841" cy="274984"/>
+          </a:xfrm>
+          <a:prstGeom prst="ellipse">
+            <a:avLst/>
+          </a:prstGeom>
+        </p:spPr>
+        <p:style>
+          <a:lnRef idx="2">
+            <a:schemeClr val="accent2">
+              <a:shade val="50000"/>
+            </a:schemeClr>
+          </a:lnRef>
+          <a:fillRef idx="1">
+            <a:schemeClr val="accent2"/>
+          </a:fillRef>
+          <a:effectRef idx="0">
+            <a:schemeClr val="accent2"/>
+          </a:effectRef>
+          <a:fontRef idx="minor">
+            <a:schemeClr val="lt1"/>
+          </a:fontRef>
+        </p:style>
+        <p:txBody>
+          <a:bodyPr rtlCol="0" anchor="ctr"/>
+          <a:lstStyle/>
+          <a:p>
+            <a:pPr algn="ctr"/>
+            <a:r>
+              <a:rPr lang="en-US" altLang="ja-JP" dirty="0"/>
+              <a:t>3</a:t>
+            </a:r>
+            <a:endParaRPr kumimoji="1" lang="ja-JP" altLang="en-US" dirty="0"/>
+          </a:p>
+        </p:txBody>
+      </p:sp>
+      <p:sp>
+        <p:nvSpPr>
+          <p:cNvPr id="14" name="楕円 13">
+            <a:extLst>
+              <a:ext uri="{FF2B5EF4-FFF2-40B4-BE49-F238E27FC236}">
+                <a16:creationId xmlns:a16="http://schemas.microsoft.com/office/drawing/2014/main" id="{6DFB5E20-9B27-49E6-8A55-1143E5DEDFED}"/>
+              </a:ext>
+            </a:extLst>
+          </p:cNvPr>
+          <p:cNvSpPr/>
+          <p:nvPr/>
+        </p:nvSpPr>
+        <p:spPr>
+          <a:xfrm>
+            <a:off x="6699682" y="2902048"/>
+            <a:ext cx="301841" cy="274984"/>
+          </a:xfrm>
+          <a:prstGeom prst="ellipse">
+            <a:avLst/>
+          </a:prstGeom>
+        </p:spPr>
+        <p:style>
+          <a:lnRef idx="2">
+            <a:schemeClr val="accent2">
+              <a:shade val="50000"/>
+            </a:schemeClr>
+          </a:lnRef>
+          <a:fillRef idx="1">
+            <a:schemeClr val="accent2"/>
+          </a:fillRef>
+          <a:effectRef idx="0">
+            <a:schemeClr val="accent2"/>
+          </a:effectRef>
+          <a:fontRef idx="minor">
+            <a:schemeClr val="lt1"/>
+          </a:fontRef>
+        </p:style>
+        <p:txBody>
+          <a:bodyPr rtlCol="0" anchor="ctr"/>
+          <a:lstStyle/>
+          <a:p>
+            <a:pPr algn="ctr"/>
+            <a:r>
+              <a:rPr lang="en-US" altLang="ja-JP" dirty="0"/>
+              <a:t>4</a:t>
+            </a:r>
+            <a:endParaRPr kumimoji="1" lang="ja-JP" altLang="en-US" dirty="0"/>
+          </a:p>
+        </p:txBody>
+      </p:sp>
+      <p:sp>
+        <p:nvSpPr>
+          <p:cNvPr id="16" name="楕円 15">
+            <a:extLst>
+              <a:ext uri="{FF2B5EF4-FFF2-40B4-BE49-F238E27FC236}">
+                <a16:creationId xmlns:a16="http://schemas.microsoft.com/office/drawing/2014/main" id="{2371F3BE-51D4-4655-8C32-55FD5483E4F4}"/>
+              </a:ext>
+            </a:extLst>
+          </p:cNvPr>
+          <p:cNvSpPr/>
+          <p:nvPr/>
+        </p:nvSpPr>
+        <p:spPr>
+          <a:xfrm>
+            <a:off x="6699682" y="3342400"/>
+            <a:ext cx="301841" cy="274984"/>
+          </a:xfrm>
+          <a:prstGeom prst="ellipse">
+            <a:avLst/>
+          </a:prstGeom>
+        </p:spPr>
+        <p:style>
+          <a:lnRef idx="2">
+            <a:schemeClr val="accent2">
+              <a:shade val="50000"/>
+            </a:schemeClr>
+          </a:lnRef>
+          <a:fillRef idx="1">
+            <a:schemeClr val="accent2"/>
+          </a:fillRef>
+          <a:effectRef idx="0">
+            <a:schemeClr val="accent2"/>
+          </a:effectRef>
+          <a:fontRef idx="minor">
+            <a:schemeClr val="lt1"/>
+          </a:fontRef>
+        </p:style>
+        <p:txBody>
+          <a:bodyPr rtlCol="0" anchor="ctr"/>
+          <a:lstStyle/>
+          <a:p>
+            <a:pPr algn="ctr"/>
+            <a:r>
+              <a:rPr kumimoji="1" lang="en-US" altLang="ja-JP" dirty="0"/>
+              <a:t>5</a:t>
+            </a:r>
+            <a:endParaRPr kumimoji="1" lang="ja-JP" altLang="en-US" dirty="0"/>
+          </a:p>
+        </p:txBody>
+      </p:sp>
+      <p:sp>
+        <p:nvSpPr>
+          <p:cNvPr id="20" name="楕円 19">
+            <a:extLst>
+              <a:ext uri="{FF2B5EF4-FFF2-40B4-BE49-F238E27FC236}">
+                <a16:creationId xmlns:a16="http://schemas.microsoft.com/office/drawing/2014/main" id="{977D4666-5ED9-4FF4-BD89-82B21D4C8475}"/>
+              </a:ext>
+            </a:extLst>
+          </p:cNvPr>
+          <p:cNvSpPr/>
+          <p:nvPr/>
+        </p:nvSpPr>
+        <p:spPr>
+          <a:xfrm>
+            <a:off x="6699682" y="3782753"/>
+            <a:ext cx="301841" cy="274984"/>
+          </a:xfrm>
+          <a:prstGeom prst="ellipse">
+            <a:avLst/>
+          </a:prstGeom>
+        </p:spPr>
+        <p:style>
+          <a:lnRef idx="2">
+            <a:schemeClr val="accent2">
+              <a:shade val="50000"/>
+            </a:schemeClr>
+          </a:lnRef>
+          <a:fillRef idx="1">
+            <a:schemeClr val="accent2"/>
+          </a:fillRef>
+          <a:effectRef idx="0">
+            <a:schemeClr val="accent2"/>
+          </a:effectRef>
+          <a:fontRef idx="minor">
+            <a:schemeClr val="lt1"/>
+          </a:fontRef>
+        </p:style>
+        <p:txBody>
+          <a:bodyPr rtlCol="0" anchor="ctr"/>
+          <a:lstStyle/>
+          <a:p>
+            <a:pPr algn="ctr"/>
+            <a:r>
+              <a:rPr kumimoji="1" lang="en-US" altLang="ja-JP" dirty="0"/>
+              <a:t>6</a:t>
+            </a:r>
+            <a:endParaRPr kumimoji="1" lang="ja-JP" altLang="en-US" dirty="0"/>
+          </a:p>
+        </p:txBody>
+      </p:sp>
+    </p:spTree>
+    <p:extLst>
+      <p:ext uri="{BB962C8B-B14F-4D97-AF65-F5344CB8AC3E}">
+        <p14:creationId xmlns:p14="http://schemas.microsoft.com/office/powerpoint/2010/main" val="838307824"/>
+      </p:ext>
+    </p:extLst>
+  </p:cSld>
+  <p:clrMapOvr>
+    <a:masterClrMapping/>
+  </p:clrMapOvr>
+</p:sld>
+</file>
+
+<file path=ppt/slides/slide3.xml><?xml version="1.0" encoding="utf-8"?>
+<p:sld xmlns:a="http://schemas.openxmlformats.org/drawingml/2006/main" xmlns:r="http://schemas.openxmlformats.org/officeDocument/2006/relationships" xmlns:p="http://schemas.openxmlformats.org/presentationml/2006/main">
+  <p:cSld>
+    <p:spTree>
+      <p:nvGrpSpPr>
+        <p:cNvPr id="1" name=""/>
+        <p:cNvGrpSpPr/>
+        <p:nvPr/>
+      </p:nvGrpSpPr>
+      <p:grpSpPr>
+        <a:xfrm>
+          <a:off x="0" y="0"/>
+          <a:ext cx="0" cy="0"/>
+          <a:chOff x="0" y="0"/>
+          <a:chExt cx="0" cy="0"/>
+        </a:xfrm>
+      </p:grpSpPr>
+      <p:pic>
+        <p:nvPicPr>
+          <p:cNvPr id="2" name="図 1">
+            <a:extLst>
+              <a:ext uri="{FF2B5EF4-FFF2-40B4-BE49-F238E27FC236}">
+                <a16:creationId xmlns:a16="http://schemas.microsoft.com/office/drawing/2014/main" id="{87FD269A-D058-4586-8C8F-54F97D2752BD}"/>
+              </a:ext>
+            </a:extLst>
+          </p:cNvPr>
+          <p:cNvPicPr>
+            <a:picLocks noChangeAspect="1"/>
+          </p:cNvPicPr>
+          <p:nvPr/>
+        </p:nvPicPr>
+        <p:blipFill>
+          <a:blip r:embed="rId2"/>
+          <a:stretch>
+            <a:fillRect/>
+          </a:stretch>
+        </p:blipFill>
+        <p:spPr>
+          <a:xfrm>
+            <a:off x="5372666" y="2424607"/>
+            <a:ext cx="1819529" cy="2962688"/>
+          </a:xfrm>
+          <a:prstGeom prst="rect">
+            <a:avLst/>
+          </a:prstGeom>
+        </p:spPr>
+      </p:pic>
+      <p:sp>
+        <p:nvSpPr>
+          <p:cNvPr id="4" name="楕円 3">
+            <a:extLst>
+              <a:ext uri="{FF2B5EF4-FFF2-40B4-BE49-F238E27FC236}">
+                <a16:creationId xmlns:a16="http://schemas.microsoft.com/office/drawing/2014/main" id="{25B21703-B8FD-4C7B-AD84-96A6A2B2B282}"/>
+              </a:ext>
+            </a:extLst>
+          </p:cNvPr>
+          <p:cNvSpPr/>
+          <p:nvPr/>
+        </p:nvSpPr>
+        <p:spPr>
+          <a:xfrm>
+            <a:off x="5070825" y="2424607"/>
+            <a:ext cx="301841" cy="274984"/>
+          </a:xfrm>
+          <a:prstGeom prst="ellipse">
+            <a:avLst/>
+          </a:prstGeom>
+        </p:spPr>
+        <p:style>
+          <a:lnRef idx="2">
+            <a:schemeClr val="accent2">
+              <a:shade val="50000"/>
+            </a:schemeClr>
+          </a:lnRef>
+          <a:fillRef idx="1">
+            <a:schemeClr val="accent2"/>
+          </a:fillRef>
+          <a:effectRef idx="0">
+            <a:schemeClr val="accent2"/>
+          </a:effectRef>
+          <a:fontRef idx="minor">
+            <a:schemeClr val="lt1"/>
+          </a:fontRef>
+        </p:style>
+        <p:txBody>
+          <a:bodyPr rtlCol="0" anchor="ctr"/>
+          <a:lstStyle/>
+          <a:p>
+            <a:pPr algn="ctr"/>
+            <a:r>
+              <a:rPr kumimoji="1" lang="en-US" altLang="ja-JP" dirty="0"/>
+              <a:t>1</a:t>
+            </a:r>
+            <a:endParaRPr kumimoji="1" lang="ja-JP" altLang="en-US" dirty="0"/>
+          </a:p>
+        </p:txBody>
+      </p:sp>
+      <p:sp>
+        <p:nvSpPr>
+          <p:cNvPr id="8" name="楕円 7">
+            <a:extLst>
+              <a:ext uri="{FF2B5EF4-FFF2-40B4-BE49-F238E27FC236}">
+                <a16:creationId xmlns:a16="http://schemas.microsoft.com/office/drawing/2014/main" id="{3E3724E8-FB98-41F6-8E82-B633FD943DE4}"/>
+              </a:ext>
+            </a:extLst>
+          </p:cNvPr>
+          <p:cNvSpPr/>
+          <p:nvPr/>
+        </p:nvSpPr>
+        <p:spPr>
+          <a:xfrm>
+            <a:off x="6131509" y="2699591"/>
+            <a:ext cx="301841" cy="274984"/>
+          </a:xfrm>
+          <a:prstGeom prst="ellipse">
+            <a:avLst/>
+          </a:prstGeom>
+        </p:spPr>
+        <p:style>
+          <a:lnRef idx="2">
+            <a:schemeClr val="accent2">
+              <a:shade val="50000"/>
+            </a:schemeClr>
+          </a:lnRef>
+          <a:fillRef idx="1">
+            <a:schemeClr val="accent2"/>
+          </a:fillRef>
+          <a:effectRef idx="0">
+            <a:schemeClr val="accent2"/>
+          </a:effectRef>
+          <a:fontRef idx="minor">
+            <a:schemeClr val="lt1"/>
+          </a:fontRef>
+        </p:style>
+        <p:txBody>
+          <a:bodyPr rtlCol="0" anchor="ctr"/>
+          <a:lstStyle/>
+          <a:p>
+            <a:pPr algn="ctr"/>
+            <a:r>
+              <a:rPr kumimoji="1" lang="en-US" altLang="ja-JP" dirty="0"/>
+              <a:t>2</a:t>
+            </a:r>
+          </a:p>
+        </p:txBody>
+      </p:sp>
+      <p:sp>
+        <p:nvSpPr>
+          <p:cNvPr id="10" name="楕円 9">
+            <a:extLst>
+              <a:ext uri="{FF2B5EF4-FFF2-40B4-BE49-F238E27FC236}">
+                <a16:creationId xmlns:a16="http://schemas.microsoft.com/office/drawing/2014/main" id="{5B5ED1E1-7A57-426D-BED4-F21469E7A8D0}"/>
+              </a:ext>
+            </a:extLst>
+          </p:cNvPr>
+          <p:cNvSpPr/>
+          <p:nvPr/>
+        </p:nvSpPr>
+        <p:spPr>
+          <a:xfrm>
+            <a:off x="6131509" y="3291508"/>
+            <a:ext cx="301841" cy="274984"/>
+          </a:xfrm>
+          <a:prstGeom prst="ellipse">
+            <a:avLst/>
+          </a:prstGeom>
+        </p:spPr>
+        <p:style>
+          <a:lnRef idx="2">
+            <a:schemeClr val="accent2">
+              <a:shade val="50000"/>
+            </a:schemeClr>
+          </a:lnRef>
+          <a:fillRef idx="1">
+            <a:schemeClr val="accent2"/>
+          </a:fillRef>
+          <a:effectRef idx="0">
+            <a:schemeClr val="accent2"/>
+          </a:effectRef>
+          <a:fontRef idx="minor">
+            <a:schemeClr val="lt1"/>
+          </a:fontRef>
+        </p:style>
+        <p:txBody>
+          <a:bodyPr rtlCol="0" anchor="ctr"/>
+          <a:lstStyle/>
+          <a:p>
+            <a:pPr algn="ctr"/>
+            <a:r>
+              <a:rPr kumimoji="1" lang="en-US" altLang="ja-JP" dirty="0"/>
+              <a:t>3</a:t>
+            </a:r>
+            <a:endParaRPr kumimoji="1" lang="ja-JP" altLang="en-US" dirty="0"/>
+          </a:p>
+        </p:txBody>
+      </p:sp>
+      <p:sp>
+        <p:nvSpPr>
+          <p:cNvPr id="12" name="楕円 11">
+            <a:extLst>
+              <a:ext uri="{FF2B5EF4-FFF2-40B4-BE49-F238E27FC236}">
+                <a16:creationId xmlns:a16="http://schemas.microsoft.com/office/drawing/2014/main" id="{580C9DE2-A927-49AC-8390-83FB814AADEE}"/>
+              </a:ext>
+            </a:extLst>
+          </p:cNvPr>
+          <p:cNvSpPr/>
+          <p:nvPr/>
+        </p:nvSpPr>
+        <p:spPr>
+          <a:xfrm>
+            <a:off x="6133183" y="4433393"/>
+            <a:ext cx="301841" cy="274984"/>
+          </a:xfrm>
+          <a:prstGeom prst="ellipse">
+            <a:avLst/>
+          </a:prstGeom>
+        </p:spPr>
+        <p:style>
+          <a:lnRef idx="2">
+            <a:schemeClr val="accent2">
+              <a:shade val="50000"/>
+            </a:schemeClr>
+          </a:lnRef>
+          <a:fillRef idx="1">
+            <a:schemeClr val="accent2"/>
+          </a:fillRef>
+          <a:effectRef idx="0">
+            <a:schemeClr val="accent2"/>
+          </a:effectRef>
+          <a:fontRef idx="minor">
+            <a:schemeClr val="lt1"/>
+          </a:fontRef>
+        </p:style>
+        <p:txBody>
+          <a:bodyPr rtlCol="0" anchor="ctr"/>
+          <a:lstStyle/>
+          <a:p>
+            <a:pPr algn="ctr"/>
+            <a:r>
+              <a:rPr kumimoji="1" lang="en-US" altLang="ja-JP" dirty="0"/>
+              <a:t>4</a:t>
+            </a:r>
+            <a:endParaRPr kumimoji="1" lang="ja-JP" altLang="en-US" dirty="0"/>
+          </a:p>
+        </p:txBody>
+      </p:sp>
+    </p:spTree>
+    <p:extLst>
+      <p:ext uri="{BB962C8B-B14F-4D97-AF65-F5344CB8AC3E}">
+        <p14:creationId xmlns:p14="http://schemas.microsoft.com/office/powerpoint/2010/main" val="457753153"/>
+      </p:ext>
+    </p:extLst>
+  </p:cSld>
+  <p:clrMapOvr>
+    <a:masterClrMapping/>
+  </p:clrMapOvr>
+</p:sld>
+</file>
+
+<file path=ppt/slides/slide4.xml><?xml version="1.0" encoding="utf-8"?>
+<p:sld xmlns:a="http://schemas.openxmlformats.org/drawingml/2006/main" xmlns:r="http://schemas.openxmlformats.org/officeDocument/2006/relationships" xmlns:p="http://schemas.openxmlformats.org/presentationml/2006/main">
+  <p:cSld>
+    <p:spTree>
+      <p:nvGrpSpPr>
+        <p:cNvPr id="1" name=""/>
+        <p:cNvGrpSpPr/>
+        <p:nvPr/>
+      </p:nvGrpSpPr>
+      <p:grpSpPr>
+        <a:xfrm>
+          <a:off x="0" y="0"/>
+          <a:ext cx="0" cy="0"/>
+          <a:chOff x="0" y="0"/>
+          <a:chExt cx="0" cy="0"/>
+        </a:xfrm>
+      </p:grpSpPr>
+      <p:pic>
+        <p:nvPicPr>
+          <p:cNvPr id="5" name="図 4">
+            <a:extLst>
+              <a:ext uri="{FF2B5EF4-FFF2-40B4-BE49-F238E27FC236}">
+                <a16:creationId xmlns:a16="http://schemas.microsoft.com/office/drawing/2014/main" id="{2116FC19-DD8D-45B7-B913-B54F982EB392}"/>
+              </a:ext>
+            </a:extLst>
+          </p:cNvPr>
+          <p:cNvPicPr>
+            <a:picLocks noChangeAspect="1"/>
+          </p:cNvPicPr>
+          <p:nvPr/>
+        </p:nvPicPr>
+        <p:blipFill>
+          <a:blip r:embed="rId2"/>
+          <a:stretch>
+            <a:fillRect/>
+          </a:stretch>
+        </p:blipFill>
+        <p:spPr>
+          <a:xfrm>
+            <a:off x="5190998" y="1757129"/>
+            <a:ext cx="1810003" cy="3343742"/>
+          </a:xfrm>
+          <a:prstGeom prst="rect">
+            <a:avLst/>
+          </a:prstGeom>
+        </p:spPr>
+      </p:pic>
+      <p:sp>
+        <p:nvSpPr>
+          <p:cNvPr id="7" name="楕円 6">
+            <a:extLst>
+              <a:ext uri="{FF2B5EF4-FFF2-40B4-BE49-F238E27FC236}">
+                <a16:creationId xmlns:a16="http://schemas.microsoft.com/office/drawing/2014/main" id="{4EC8D971-5A22-4B1C-B3A3-0FD34E254426}"/>
+              </a:ext>
+            </a:extLst>
+          </p:cNvPr>
+          <p:cNvSpPr/>
+          <p:nvPr/>
+        </p:nvSpPr>
+        <p:spPr>
+          <a:xfrm>
+            <a:off x="5170804" y="1619637"/>
+            <a:ext cx="301841" cy="274984"/>
+          </a:xfrm>
+          <a:prstGeom prst="ellipse">
+            <a:avLst/>
+          </a:prstGeom>
+        </p:spPr>
+        <p:style>
+          <a:lnRef idx="2">
+            <a:schemeClr val="accent2">
+              <a:shade val="50000"/>
+            </a:schemeClr>
+          </a:lnRef>
+          <a:fillRef idx="1">
+            <a:schemeClr val="accent2"/>
+          </a:fillRef>
+          <a:effectRef idx="0">
+            <a:schemeClr val="accent2"/>
+          </a:effectRef>
+          <a:fontRef idx="minor">
+            <a:schemeClr val="lt1"/>
+          </a:fontRef>
+        </p:style>
+        <p:txBody>
+          <a:bodyPr rtlCol="0" anchor="ctr"/>
+          <a:lstStyle/>
+          <a:p>
+            <a:pPr algn="ctr"/>
+            <a:r>
+              <a:rPr kumimoji="1" lang="en-US" altLang="ja-JP" dirty="0"/>
+              <a:t>1</a:t>
+            </a:r>
+            <a:endParaRPr kumimoji="1" lang="ja-JP" altLang="en-US" dirty="0"/>
+          </a:p>
+        </p:txBody>
+      </p:sp>
+      <p:sp>
+        <p:nvSpPr>
+          <p:cNvPr id="9" name="楕円 8">
+            <a:extLst>
+              <a:ext uri="{FF2B5EF4-FFF2-40B4-BE49-F238E27FC236}">
+                <a16:creationId xmlns:a16="http://schemas.microsoft.com/office/drawing/2014/main" id="{E564D24B-DC14-4400-B4E6-67C22868F34B}"/>
+              </a:ext>
+            </a:extLst>
+          </p:cNvPr>
+          <p:cNvSpPr/>
+          <p:nvPr/>
+        </p:nvSpPr>
+        <p:spPr>
+          <a:xfrm>
+            <a:off x="5945078" y="2024108"/>
+            <a:ext cx="301841" cy="274984"/>
+          </a:xfrm>
+          <a:prstGeom prst="ellipse">
+            <a:avLst/>
+          </a:prstGeom>
+        </p:spPr>
+        <p:style>
+          <a:lnRef idx="2">
+            <a:schemeClr val="accent2">
+              <a:shade val="50000"/>
+            </a:schemeClr>
+          </a:lnRef>
+          <a:fillRef idx="1">
+            <a:schemeClr val="accent2"/>
+          </a:fillRef>
+          <a:effectRef idx="0">
+            <a:schemeClr val="accent2"/>
+          </a:effectRef>
+          <a:fontRef idx="minor">
+            <a:schemeClr val="lt1"/>
+          </a:fontRef>
+        </p:style>
+        <p:txBody>
+          <a:bodyPr rtlCol="0" anchor="ctr"/>
+          <a:lstStyle/>
+          <a:p>
+            <a:pPr algn="ctr"/>
+            <a:r>
+              <a:rPr lang="en-US" altLang="ja-JP" dirty="0"/>
+              <a:t>2</a:t>
+            </a:r>
+          </a:p>
+        </p:txBody>
+      </p:sp>
+      <p:sp>
+        <p:nvSpPr>
+          <p:cNvPr id="11" name="楕円 10">
+            <a:extLst>
+              <a:ext uri="{FF2B5EF4-FFF2-40B4-BE49-F238E27FC236}">
+                <a16:creationId xmlns:a16="http://schemas.microsoft.com/office/drawing/2014/main" id="{38B992EA-5C64-4571-BA7A-F39979B9192B}"/>
+              </a:ext>
+            </a:extLst>
+          </p:cNvPr>
+          <p:cNvSpPr/>
+          <p:nvPr/>
+        </p:nvSpPr>
+        <p:spPr>
+          <a:xfrm>
+            <a:off x="6850078" y="1749124"/>
+            <a:ext cx="301841" cy="274984"/>
+          </a:xfrm>
+          <a:prstGeom prst="ellipse">
+            <a:avLst/>
+          </a:prstGeom>
+        </p:spPr>
+        <p:style>
+          <a:lnRef idx="2">
+            <a:schemeClr val="accent2">
+              <a:shade val="50000"/>
+            </a:schemeClr>
+          </a:lnRef>
+          <a:fillRef idx="1">
+            <a:schemeClr val="accent2"/>
+          </a:fillRef>
+          <a:effectRef idx="0">
+            <a:schemeClr val="accent2"/>
+          </a:effectRef>
+          <a:fontRef idx="minor">
+            <a:schemeClr val="lt1"/>
+          </a:fontRef>
+        </p:style>
+        <p:txBody>
+          <a:bodyPr rtlCol="0" anchor="ctr"/>
+          <a:lstStyle/>
+          <a:p>
+            <a:pPr algn="ctr"/>
+            <a:r>
+              <a:rPr kumimoji="1" lang="en-US" altLang="ja-JP" dirty="0"/>
+              <a:t>3</a:t>
+            </a:r>
+            <a:endParaRPr kumimoji="1" lang="ja-JP" altLang="en-US" dirty="0"/>
+          </a:p>
+        </p:txBody>
+      </p:sp>
+    </p:spTree>
+    <p:extLst>
+      <p:ext uri="{BB962C8B-B14F-4D97-AF65-F5344CB8AC3E}">
+        <p14:creationId xmlns:p14="http://schemas.microsoft.com/office/powerpoint/2010/main" val="307987891"/>
+      </p:ext>
+    </p:extLst>
+  </p:cSld>
+  <p:clrMapOvr>
+    <a:masterClrMapping/>
+  </p:clrMapOvr>
+</p:sld>
+</file>
+
+<file path=ppt/slides/slide5.xml><?xml version="1.0" encoding="utf-8"?>
+<p:sld xmlns:a="http://schemas.openxmlformats.org/drawingml/2006/main" xmlns:r="http://schemas.openxmlformats.org/officeDocument/2006/relationships" xmlns:p="http://schemas.openxmlformats.org/presentationml/2006/main">
+  <p:cSld>
+    <p:spTree>
+      <p:nvGrpSpPr>
+        <p:cNvPr id="1" name=""/>
+        <p:cNvGrpSpPr/>
+        <p:nvPr/>
+      </p:nvGrpSpPr>
+      <p:grpSpPr>
+        <a:xfrm>
+          <a:off x="0" y="0"/>
+          <a:ext cx="0" cy="0"/>
+          <a:chOff x="0" y="0"/>
+          <a:chExt cx="0" cy="0"/>
+        </a:xfrm>
+      </p:grpSpPr>
+      <p:pic>
+        <p:nvPicPr>
+          <p:cNvPr id="2" name="図 1">
+            <a:extLst>
+              <a:ext uri="{FF2B5EF4-FFF2-40B4-BE49-F238E27FC236}">
+                <a16:creationId xmlns:a16="http://schemas.microsoft.com/office/drawing/2014/main" id="{69A6212D-EDB4-4BA0-BB31-81123A4220CB}"/>
+              </a:ext>
+            </a:extLst>
+          </p:cNvPr>
+          <p:cNvPicPr>
+            <a:picLocks noChangeAspect="1"/>
+          </p:cNvPicPr>
+          <p:nvPr/>
+        </p:nvPicPr>
+        <p:blipFill>
+          <a:blip r:embed="rId2"/>
+          <a:stretch>
+            <a:fillRect/>
+          </a:stretch>
+        </p:blipFill>
+        <p:spPr>
+          <a:xfrm>
+            <a:off x="5359674" y="1828576"/>
+            <a:ext cx="1810003" cy="3200847"/>
+          </a:xfrm>
+          <a:prstGeom prst="rect">
+            <a:avLst/>
+          </a:prstGeom>
+        </p:spPr>
+      </p:pic>
+      <p:sp>
+        <p:nvSpPr>
+          <p:cNvPr id="3" name="楕円 2">
+            <a:extLst>
+              <a:ext uri="{FF2B5EF4-FFF2-40B4-BE49-F238E27FC236}">
+                <a16:creationId xmlns:a16="http://schemas.microsoft.com/office/drawing/2014/main" id="{A342D8CE-652F-4C4D-935C-2D16978E2AA5}"/>
+              </a:ext>
+            </a:extLst>
+          </p:cNvPr>
+          <p:cNvSpPr/>
+          <p:nvPr/>
+        </p:nvSpPr>
+        <p:spPr>
+          <a:xfrm>
+            <a:off x="5690586" y="1970843"/>
+            <a:ext cx="204187" cy="213064"/>
+          </a:xfrm>
+          <a:prstGeom prst="ellipse">
+            <a:avLst/>
+          </a:prstGeom>
+        </p:spPr>
+        <p:style>
+          <a:lnRef idx="2">
+            <a:schemeClr val="accent1">
+              <a:shade val="50000"/>
+            </a:schemeClr>
+          </a:lnRef>
+          <a:fillRef idx="1">
+            <a:schemeClr val="accent1"/>
+          </a:fillRef>
+          <a:effectRef idx="0">
+            <a:schemeClr val="accent1"/>
+          </a:effectRef>
+          <a:fontRef idx="minor">
+            <a:schemeClr val="lt1"/>
+          </a:fontRef>
+        </p:style>
+        <p:txBody>
+          <a:bodyPr rtlCol="0" anchor="ctr"/>
+          <a:lstStyle/>
+          <a:p>
+            <a:pPr algn="ctr"/>
+            <a:endParaRPr kumimoji="1" lang="ja-JP" altLang="en-US"/>
+          </a:p>
+        </p:txBody>
+      </p:sp>
+      <p:sp>
+        <p:nvSpPr>
+          <p:cNvPr id="5" name="楕円 4">
+            <a:extLst>
+              <a:ext uri="{FF2B5EF4-FFF2-40B4-BE49-F238E27FC236}">
+                <a16:creationId xmlns:a16="http://schemas.microsoft.com/office/drawing/2014/main" id="{0BE7DF29-4C1E-4960-BD93-DA6FB0A64B2F}"/>
+              </a:ext>
+            </a:extLst>
+          </p:cNvPr>
+          <p:cNvSpPr/>
+          <p:nvPr/>
+        </p:nvSpPr>
+        <p:spPr>
+          <a:xfrm>
+            <a:off x="6162581" y="2895601"/>
+            <a:ext cx="204187" cy="213064"/>
+          </a:xfrm>
+          <a:prstGeom prst="ellipse">
+            <a:avLst/>
+          </a:prstGeom>
+        </p:spPr>
+        <p:style>
+          <a:lnRef idx="2">
+            <a:schemeClr val="accent1">
+              <a:shade val="50000"/>
+            </a:schemeClr>
+          </a:lnRef>
+          <a:fillRef idx="1">
+            <a:schemeClr val="accent1"/>
+          </a:fillRef>
+          <a:effectRef idx="0">
+            <a:schemeClr val="accent1"/>
+          </a:effectRef>
+          <a:fontRef idx="minor">
+            <a:schemeClr val="lt1"/>
+          </a:fontRef>
+        </p:style>
+        <p:txBody>
+          <a:bodyPr rtlCol="0" anchor="ctr"/>
+          <a:lstStyle/>
+          <a:p>
+            <a:pPr algn="ctr"/>
+            <a:endParaRPr kumimoji="1" lang="ja-JP" altLang="en-US"/>
+          </a:p>
+        </p:txBody>
+      </p:sp>
+      <p:sp>
+        <p:nvSpPr>
+          <p:cNvPr id="7" name="楕円 6">
+            <a:extLst>
+              <a:ext uri="{FF2B5EF4-FFF2-40B4-BE49-F238E27FC236}">
+                <a16:creationId xmlns:a16="http://schemas.microsoft.com/office/drawing/2014/main" id="{D19C9149-E2F5-4578-97B3-6A2E1670AC80}"/>
+              </a:ext>
+            </a:extLst>
+          </p:cNvPr>
+          <p:cNvSpPr/>
+          <p:nvPr/>
+        </p:nvSpPr>
+        <p:spPr>
+          <a:xfrm>
+            <a:off x="6775141" y="4812143"/>
+            <a:ext cx="204187" cy="213064"/>
+          </a:xfrm>
+          <a:prstGeom prst="ellipse">
+            <a:avLst/>
+          </a:prstGeom>
+        </p:spPr>
+        <p:style>
+          <a:lnRef idx="2">
+            <a:schemeClr val="accent1">
+              <a:shade val="50000"/>
+            </a:schemeClr>
+          </a:lnRef>
+          <a:fillRef idx="1">
+            <a:schemeClr val="accent1"/>
+          </a:fillRef>
+          <a:effectRef idx="0">
+            <a:schemeClr val="accent1"/>
+          </a:effectRef>
+          <a:fontRef idx="minor">
+            <a:schemeClr val="lt1"/>
+          </a:fontRef>
+        </p:style>
+        <p:txBody>
+          <a:bodyPr rtlCol="0" anchor="ctr"/>
+          <a:lstStyle/>
+          <a:p>
+            <a:pPr algn="ctr"/>
+            <a:endParaRPr kumimoji="1" lang="ja-JP" altLang="en-US"/>
+          </a:p>
+        </p:txBody>
+      </p:sp>
+      <p:sp>
+        <p:nvSpPr>
+          <p:cNvPr id="8" name="楕円 7">
+            <a:extLst>
+              <a:ext uri="{FF2B5EF4-FFF2-40B4-BE49-F238E27FC236}">
+                <a16:creationId xmlns:a16="http://schemas.microsoft.com/office/drawing/2014/main" id="{F62BFB41-DB7B-4A76-B9FC-2BEB50114D57}"/>
+              </a:ext>
+            </a:extLst>
+          </p:cNvPr>
+          <p:cNvSpPr/>
+          <p:nvPr/>
+        </p:nvSpPr>
+        <p:spPr>
+          <a:xfrm>
+            <a:off x="6106875" y="3626625"/>
+            <a:ext cx="259893" cy="245421"/>
+          </a:xfrm>
+          <a:prstGeom prst="ellipse">
+            <a:avLst/>
+          </a:prstGeom>
+        </p:spPr>
+        <p:style>
+          <a:lnRef idx="2">
+            <a:schemeClr val="accent2">
+              <a:shade val="50000"/>
+            </a:schemeClr>
+          </a:lnRef>
+          <a:fillRef idx="1">
+            <a:schemeClr val="accent2"/>
+          </a:fillRef>
+          <a:effectRef idx="0">
+            <a:schemeClr val="accent2"/>
+          </a:effectRef>
+          <a:fontRef idx="minor">
+            <a:schemeClr val="lt1"/>
+          </a:fontRef>
+        </p:style>
+        <p:txBody>
+          <a:bodyPr rtlCol="0" anchor="ctr"/>
+          <a:lstStyle/>
+          <a:p>
+            <a:pPr algn="ctr"/>
+            <a:r>
+              <a:rPr kumimoji="1" lang="en-US" altLang="ja-JP" dirty="0"/>
+              <a:t>1</a:t>
+            </a:r>
+            <a:endParaRPr kumimoji="1" lang="ja-JP" altLang="en-US" dirty="0"/>
+          </a:p>
+        </p:txBody>
+      </p:sp>
+      <p:sp>
+        <p:nvSpPr>
+          <p:cNvPr id="10" name="楕円 9">
+            <a:extLst>
+              <a:ext uri="{FF2B5EF4-FFF2-40B4-BE49-F238E27FC236}">
+                <a16:creationId xmlns:a16="http://schemas.microsoft.com/office/drawing/2014/main" id="{D08DDC6B-2E2F-4D6B-848B-0C33D8EB78AE}"/>
+              </a:ext>
+            </a:extLst>
+          </p:cNvPr>
+          <p:cNvSpPr/>
+          <p:nvPr/>
+        </p:nvSpPr>
+        <p:spPr>
+          <a:xfrm>
+            <a:off x="6106875" y="4052979"/>
+            <a:ext cx="259893" cy="245421"/>
+          </a:xfrm>
+          <a:prstGeom prst="ellipse">
+            <a:avLst/>
+          </a:prstGeom>
+        </p:spPr>
+        <p:style>
+          <a:lnRef idx="2">
+            <a:schemeClr val="accent2">
+              <a:shade val="50000"/>
+            </a:schemeClr>
+          </a:lnRef>
+          <a:fillRef idx="1">
+            <a:schemeClr val="accent2"/>
+          </a:fillRef>
+          <a:effectRef idx="0">
+            <a:schemeClr val="accent2"/>
+          </a:effectRef>
+          <a:fontRef idx="minor">
+            <a:schemeClr val="lt1"/>
+          </a:fontRef>
+        </p:style>
+        <p:txBody>
+          <a:bodyPr rtlCol="0" anchor="ctr"/>
+          <a:lstStyle/>
+          <a:p>
+            <a:pPr algn="ctr"/>
+            <a:r>
+              <a:rPr lang="en-US" altLang="ja-JP" dirty="0"/>
+              <a:t>2</a:t>
+            </a:r>
+          </a:p>
+        </p:txBody>
+      </p:sp>
+      <p:sp>
+        <p:nvSpPr>
+          <p:cNvPr id="14" name="楕円 13">
+            <a:extLst>
+              <a:ext uri="{FF2B5EF4-FFF2-40B4-BE49-F238E27FC236}">
+                <a16:creationId xmlns:a16="http://schemas.microsoft.com/office/drawing/2014/main" id="{3FC29CCB-3971-47D5-B81F-2B7BDD6FDA71}"/>
+              </a:ext>
+            </a:extLst>
+          </p:cNvPr>
+          <p:cNvSpPr/>
+          <p:nvPr/>
+        </p:nvSpPr>
+        <p:spPr>
+          <a:xfrm>
+            <a:off x="6106876" y="4541201"/>
+            <a:ext cx="259892" cy="245421"/>
+          </a:xfrm>
+          <a:prstGeom prst="ellipse">
+            <a:avLst/>
+          </a:prstGeom>
+        </p:spPr>
+        <p:style>
+          <a:lnRef idx="2">
+            <a:schemeClr val="accent2">
+              <a:shade val="50000"/>
+            </a:schemeClr>
+          </a:lnRef>
+          <a:fillRef idx="1">
+            <a:schemeClr val="accent2"/>
+          </a:fillRef>
+          <a:effectRef idx="0">
+            <a:schemeClr val="accent2"/>
+          </a:effectRef>
+          <a:fontRef idx="minor">
+            <a:schemeClr val="lt1"/>
+          </a:fontRef>
+        </p:style>
+        <p:txBody>
+          <a:bodyPr rtlCol="0" anchor="ctr"/>
+          <a:lstStyle/>
+          <a:p>
+            <a:pPr algn="ctr"/>
+            <a:r>
+              <a:rPr lang="en-US" altLang="ja-JP" dirty="0"/>
+              <a:t>3</a:t>
+            </a:r>
+          </a:p>
+        </p:txBody>
+      </p:sp>
+    </p:spTree>
+    <p:extLst>
+      <p:ext uri="{BB962C8B-B14F-4D97-AF65-F5344CB8AC3E}">
+        <p14:creationId xmlns:p14="http://schemas.microsoft.com/office/powerpoint/2010/main" val="887868172"/>
+      </p:ext>
+    </p:extLst>
+  </p:cSld>
+  <p:clrMapOvr>
+    <a:masterClrMapping/>
+  </p:clrMapOvr>
+</p:sld>
+</file>
+
+<file path=ppt/slides/slide6.xml><?xml version="1.0" encoding="utf-8"?>
+<p:sld xmlns:a="http://schemas.openxmlformats.org/drawingml/2006/main" xmlns:r="http://schemas.openxmlformats.org/officeDocument/2006/relationships" xmlns:p="http://schemas.openxmlformats.org/presentationml/2006/main">
+  <p:cSld>
+    <p:spTree>
+      <p:nvGrpSpPr>
+        <p:cNvPr id="1" name=""/>
+        <p:cNvGrpSpPr/>
+        <p:nvPr/>
+      </p:nvGrpSpPr>
+      <p:grpSpPr>
+        <a:xfrm>
+          <a:off x="0" y="0"/>
+          <a:ext cx="0" cy="0"/>
+          <a:chOff x="0" y="0"/>
+          <a:chExt cx="0" cy="0"/>
+        </a:xfrm>
+      </p:grpSpPr>
+      <p:sp>
+        <p:nvSpPr>
+          <p:cNvPr id="2" name="正方形/長方形 1">
+            <a:extLst>
+              <a:ext uri="{FF2B5EF4-FFF2-40B4-BE49-F238E27FC236}">
+                <a16:creationId xmlns:a16="http://schemas.microsoft.com/office/drawing/2014/main" id="{A84E759C-4945-4A8F-9B9E-55C377BBCAB4}"/>
+              </a:ext>
+            </a:extLst>
+          </p:cNvPr>
+          <p:cNvSpPr/>
+          <p:nvPr/>
+        </p:nvSpPr>
+        <p:spPr>
+          <a:xfrm>
+            <a:off x="497305" y="786063"/>
+            <a:ext cx="1106905" cy="433137"/>
+          </a:xfrm>
+          <a:prstGeom prst="rect">
+            <a:avLst/>
+          </a:prstGeom>
+          <a:noFill/>
+        </p:spPr>
+        <p:style>
+          <a:lnRef idx="2">
+            <a:schemeClr val="accent1">
+              <a:shade val="50000"/>
+            </a:schemeClr>
+          </a:lnRef>
+          <a:fillRef idx="1">
+            <a:schemeClr val="accent1"/>
+          </a:fillRef>
+          <a:effectRef idx="0">
+            <a:schemeClr val="accent1"/>
+          </a:effectRef>
+          <a:fontRef idx="minor">
+            <a:schemeClr val="lt1"/>
+          </a:fontRef>
+        </p:style>
+        <p:txBody>
+          <a:bodyPr rtlCol="0" anchor="ctr"/>
+          <a:lstStyle/>
+          <a:p>
+            <a:pPr algn="ctr"/>
+            <a:r>
+              <a:rPr kumimoji="1" lang="ja-JP" altLang="en-US" dirty="0">
+                <a:solidFill>
+                  <a:srgbClr val="FF0000"/>
+                </a:solidFill>
+              </a:rPr>
+              <a:t>ユーザ</a:t>
+            </a:r>
+          </a:p>
+        </p:txBody>
+      </p:sp>
+      <p:sp>
+        <p:nvSpPr>
+          <p:cNvPr id="4" name="正方形/長方形 3">
+            <a:extLst>
+              <a:ext uri="{FF2B5EF4-FFF2-40B4-BE49-F238E27FC236}">
+                <a16:creationId xmlns:a16="http://schemas.microsoft.com/office/drawing/2014/main" id="{B032F8F2-A82D-49DC-AE58-DF87BF340BBF}"/>
+              </a:ext>
+            </a:extLst>
+          </p:cNvPr>
+          <p:cNvSpPr/>
+          <p:nvPr/>
+        </p:nvSpPr>
+        <p:spPr>
+          <a:xfrm>
+            <a:off x="850230" y="1836821"/>
+            <a:ext cx="401054" cy="4018547"/>
+          </a:xfrm>
+          <a:prstGeom prst="rect">
+            <a:avLst/>
+          </a:prstGeom>
+          <a:noFill/>
+        </p:spPr>
+        <p:style>
+          <a:lnRef idx="2">
+            <a:schemeClr val="accent1">
+              <a:shade val="50000"/>
+            </a:schemeClr>
+          </a:lnRef>
+          <a:fillRef idx="1">
+            <a:schemeClr val="accent1"/>
+          </a:fillRef>
+          <a:effectRef idx="0">
+            <a:schemeClr val="accent1"/>
+          </a:effectRef>
+          <a:fontRef idx="minor">
+            <a:schemeClr val="lt1"/>
+          </a:fontRef>
+        </p:style>
+        <p:txBody>
+          <a:bodyPr rtlCol="0" anchor="ctr"/>
+          <a:lstStyle/>
+          <a:p>
+            <a:pPr algn="ctr"/>
+            <a:endParaRPr kumimoji="1" lang="ja-JP" altLang="en-US" dirty="0">
+              <a:solidFill>
+                <a:srgbClr val="FF0000"/>
+              </a:solidFill>
+            </a:endParaRPr>
+          </a:p>
+        </p:txBody>
+      </p:sp>
+      <p:sp>
+        <p:nvSpPr>
+          <p:cNvPr id="6" name="正方形/長方形 5">
+            <a:extLst>
+              <a:ext uri="{FF2B5EF4-FFF2-40B4-BE49-F238E27FC236}">
+                <a16:creationId xmlns:a16="http://schemas.microsoft.com/office/drawing/2014/main" id="{592D02A7-B48E-41EC-A26B-36FACEA6C037}"/>
+              </a:ext>
+            </a:extLst>
+          </p:cNvPr>
+          <p:cNvSpPr/>
+          <p:nvPr/>
+        </p:nvSpPr>
+        <p:spPr>
+          <a:xfrm>
+            <a:off x="2300035" y="786068"/>
+            <a:ext cx="1688432" cy="427118"/>
+          </a:xfrm>
+          <a:prstGeom prst="rect">
+            <a:avLst/>
+          </a:prstGeom>
+          <a:noFill/>
+        </p:spPr>
+        <p:style>
+          <a:lnRef idx="2">
+            <a:schemeClr val="accent1">
+              <a:shade val="50000"/>
+            </a:schemeClr>
+          </a:lnRef>
+          <a:fillRef idx="1">
+            <a:schemeClr val="accent1"/>
+          </a:fillRef>
+          <a:effectRef idx="0">
+            <a:schemeClr val="accent1"/>
+          </a:effectRef>
+          <a:fontRef idx="minor">
+            <a:schemeClr val="lt1"/>
+          </a:fontRef>
+        </p:style>
+        <p:txBody>
+          <a:bodyPr rtlCol="0" anchor="ctr"/>
+          <a:lstStyle/>
+          <a:p>
+            <a:pPr algn="ctr"/>
+            <a:r>
+              <a:rPr kumimoji="1" lang="ja-JP" altLang="en-US" dirty="0">
+                <a:solidFill>
+                  <a:srgbClr val="FF0000"/>
+                </a:solidFill>
+              </a:rPr>
+              <a:t>ログイン画面</a:t>
+            </a:r>
+          </a:p>
+        </p:txBody>
+      </p:sp>
+      <p:sp>
+        <p:nvSpPr>
+          <p:cNvPr id="8" name="正方形/長方形 7">
+            <a:extLst>
+              <a:ext uri="{FF2B5EF4-FFF2-40B4-BE49-F238E27FC236}">
+                <a16:creationId xmlns:a16="http://schemas.microsoft.com/office/drawing/2014/main" id="{AF5EDAB5-58B8-406A-9302-ED165B36459E}"/>
+              </a:ext>
+            </a:extLst>
+          </p:cNvPr>
+          <p:cNvSpPr/>
+          <p:nvPr/>
+        </p:nvSpPr>
+        <p:spPr>
+          <a:xfrm>
+            <a:off x="7724272" y="786061"/>
+            <a:ext cx="1106905" cy="433137"/>
+          </a:xfrm>
+          <a:prstGeom prst="rect">
+            <a:avLst/>
+          </a:prstGeom>
+          <a:noFill/>
+        </p:spPr>
+        <p:style>
+          <a:lnRef idx="2">
+            <a:schemeClr val="accent1">
+              <a:shade val="50000"/>
+            </a:schemeClr>
+          </a:lnRef>
+          <a:fillRef idx="1">
+            <a:schemeClr val="accent1"/>
+          </a:fillRef>
+          <a:effectRef idx="0">
+            <a:schemeClr val="accent1"/>
+          </a:effectRef>
+          <a:fontRef idx="minor">
+            <a:schemeClr val="lt1"/>
+          </a:fontRef>
+        </p:style>
+        <p:txBody>
+          <a:bodyPr rtlCol="0" anchor="ctr"/>
+          <a:lstStyle/>
+          <a:p>
+            <a:pPr algn="ctr"/>
+            <a:r>
+              <a:rPr kumimoji="1" lang="en-US" altLang="ja-JP" dirty="0">
+                <a:solidFill>
+                  <a:srgbClr val="FF0000"/>
+                </a:solidFill>
+              </a:rPr>
+              <a:t>MySQL</a:t>
+            </a:r>
+            <a:endParaRPr kumimoji="1" lang="ja-JP" altLang="en-US" dirty="0">
+              <a:solidFill>
+                <a:srgbClr val="FF0000"/>
+              </a:solidFill>
+            </a:endParaRPr>
+          </a:p>
+        </p:txBody>
+      </p:sp>
+      <p:sp>
+        <p:nvSpPr>
+          <p:cNvPr id="10" name="正方形/長方形 9">
+            <a:extLst>
+              <a:ext uri="{FF2B5EF4-FFF2-40B4-BE49-F238E27FC236}">
+                <a16:creationId xmlns:a16="http://schemas.microsoft.com/office/drawing/2014/main" id="{565E0C3B-6FB0-4AAE-85A9-964F2ED37405}"/>
+              </a:ext>
+            </a:extLst>
+          </p:cNvPr>
+          <p:cNvSpPr/>
+          <p:nvPr/>
+        </p:nvSpPr>
+        <p:spPr>
+          <a:xfrm>
+            <a:off x="5213682" y="1836821"/>
+            <a:ext cx="401056" cy="978569"/>
+          </a:xfrm>
+          <a:prstGeom prst="rect">
+            <a:avLst/>
+          </a:prstGeom>
+          <a:noFill/>
+        </p:spPr>
+        <p:style>
+          <a:lnRef idx="2">
+            <a:schemeClr val="accent1">
+              <a:shade val="50000"/>
+            </a:schemeClr>
+          </a:lnRef>
+          <a:fillRef idx="1">
+            <a:schemeClr val="accent1"/>
+          </a:fillRef>
+          <a:effectRef idx="0">
+            <a:schemeClr val="accent1"/>
+          </a:effectRef>
+          <a:fontRef idx="minor">
+            <a:schemeClr val="lt1"/>
+          </a:fontRef>
+        </p:style>
+        <p:txBody>
+          <a:bodyPr rtlCol="0" anchor="ctr"/>
+          <a:lstStyle/>
+          <a:p>
+            <a:pPr algn="ctr"/>
+            <a:endParaRPr kumimoji="1" lang="ja-JP" altLang="en-US" dirty="0">
+              <a:solidFill>
+                <a:srgbClr val="FF0000"/>
+              </a:solidFill>
+            </a:endParaRPr>
+          </a:p>
+        </p:txBody>
+      </p:sp>
+      <p:sp>
+        <p:nvSpPr>
+          <p:cNvPr id="12" name="正方形/長方形 11">
+            <a:extLst>
+              <a:ext uri="{FF2B5EF4-FFF2-40B4-BE49-F238E27FC236}">
+                <a16:creationId xmlns:a16="http://schemas.microsoft.com/office/drawing/2014/main" id="{8D3860E0-2FC2-4B03-86C2-1078B932CB40}"/>
+              </a:ext>
+            </a:extLst>
+          </p:cNvPr>
+          <p:cNvSpPr/>
+          <p:nvPr/>
+        </p:nvSpPr>
+        <p:spPr>
+          <a:xfrm>
+            <a:off x="2943724" y="1836821"/>
+            <a:ext cx="401055" cy="1592179"/>
+          </a:xfrm>
+          <a:prstGeom prst="rect">
+            <a:avLst/>
+          </a:prstGeom>
+          <a:noFill/>
+        </p:spPr>
+        <p:style>
+          <a:lnRef idx="2">
+            <a:schemeClr val="accent1">
+              <a:shade val="50000"/>
+            </a:schemeClr>
+          </a:lnRef>
+          <a:fillRef idx="1">
+            <a:schemeClr val="accent1"/>
+          </a:fillRef>
+          <a:effectRef idx="0">
+            <a:schemeClr val="accent1"/>
+          </a:effectRef>
+          <a:fontRef idx="minor">
+            <a:schemeClr val="lt1"/>
+          </a:fontRef>
+        </p:style>
+        <p:txBody>
+          <a:bodyPr rtlCol="0" anchor="ctr"/>
+          <a:lstStyle/>
+          <a:p>
+            <a:pPr algn="ctr"/>
+            <a:endParaRPr kumimoji="1" lang="ja-JP" altLang="en-US" dirty="0">
+              <a:solidFill>
+                <a:srgbClr val="FF0000"/>
+              </a:solidFill>
+            </a:endParaRPr>
+          </a:p>
+        </p:txBody>
+      </p:sp>
+      <p:sp>
+        <p:nvSpPr>
+          <p:cNvPr id="14" name="正方形/長方形 13">
+            <a:extLst>
+              <a:ext uri="{FF2B5EF4-FFF2-40B4-BE49-F238E27FC236}">
+                <a16:creationId xmlns:a16="http://schemas.microsoft.com/office/drawing/2014/main" id="{6DD4EF1D-1913-4522-8589-338D72A6D206}"/>
+              </a:ext>
+            </a:extLst>
+          </p:cNvPr>
+          <p:cNvSpPr/>
+          <p:nvPr/>
+        </p:nvSpPr>
+        <p:spPr>
+          <a:xfrm>
+            <a:off x="4860758" y="786061"/>
+            <a:ext cx="1106905" cy="433137"/>
+          </a:xfrm>
+          <a:prstGeom prst="rect">
+            <a:avLst/>
+          </a:prstGeom>
+          <a:noFill/>
+        </p:spPr>
+        <p:style>
+          <a:lnRef idx="2">
+            <a:schemeClr val="accent1">
+              <a:shade val="50000"/>
+            </a:schemeClr>
+          </a:lnRef>
+          <a:fillRef idx="1">
+            <a:schemeClr val="accent1"/>
+          </a:fillRef>
+          <a:effectRef idx="0">
+            <a:schemeClr val="accent1"/>
+          </a:effectRef>
+          <a:fontRef idx="minor">
+            <a:schemeClr val="lt1"/>
+          </a:fontRef>
+        </p:style>
+        <p:txBody>
+          <a:bodyPr rtlCol="0" anchor="ctr"/>
+          <a:lstStyle/>
+          <a:p>
+            <a:pPr algn="ctr"/>
+            <a:r>
+              <a:rPr kumimoji="1" lang="en-US" altLang="ja-JP" dirty="0">
+                <a:solidFill>
+                  <a:srgbClr val="FF0000"/>
+                </a:solidFill>
+              </a:rPr>
+              <a:t>API</a:t>
+            </a:r>
+            <a:endParaRPr kumimoji="1" lang="ja-JP" altLang="en-US" dirty="0">
+              <a:solidFill>
+                <a:srgbClr val="FF0000"/>
+              </a:solidFill>
+            </a:endParaRPr>
+          </a:p>
+        </p:txBody>
+      </p:sp>
+      <p:sp>
+        <p:nvSpPr>
+          <p:cNvPr id="16" name="正方形/長方形 15">
+            <a:extLst>
+              <a:ext uri="{FF2B5EF4-FFF2-40B4-BE49-F238E27FC236}">
+                <a16:creationId xmlns:a16="http://schemas.microsoft.com/office/drawing/2014/main" id="{F814EFEE-1EBB-47B8-8C3F-7D4BF329766A}"/>
+              </a:ext>
+            </a:extLst>
+          </p:cNvPr>
+          <p:cNvSpPr/>
+          <p:nvPr/>
+        </p:nvSpPr>
+        <p:spPr>
+          <a:xfrm>
+            <a:off x="10523617" y="3850106"/>
+            <a:ext cx="401056" cy="1957135"/>
+          </a:xfrm>
+          <a:prstGeom prst="rect">
+            <a:avLst/>
+          </a:prstGeom>
+          <a:noFill/>
+        </p:spPr>
+        <p:style>
+          <a:lnRef idx="2">
+            <a:schemeClr val="accent1">
+              <a:shade val="50000"/>
+            </a:schemeClr>
+          </a:lnRef>
+          <a:fillRef idx="1">
+            <a:schemeClr val="accent1"/>
+          </a:fillRef>
+          <a:effectRef idx="0">
+            <a:schemeClr val="accent1"/>
+          </a:effectRef>
+          <a:fontRef idx="minor">
+            <a:schemeClr val="lt1"/>
+          </a:fontRef>
+        </p:style>
+        <p:txBody>
+          <a:bodyPr rtlCol="0" anchor="ctr"/>
+          <a:lstStyle/>
+          <a:p>
+            <a:pPr algn="ctr"/>
+            <a:endParaRPr kumimoji="1" lang="ja-JP" altLang="en-US" dirty="0">
+              <a:solidFill>
+                <a:srgbClr val="FF0000"/>
+              </a:solidFill>
+            </a:endParaRPr>
+          </a:p>
+        </p:txBody>
+      </p:sp>
+      <p:sp>
+        <p:nvSpPr>
+          <p:cNvPr id="18" name="正方形/長方形 17">
+            <a:extLst>
+              <a:ext uri="{FF2B5EF4-FFF2-40B4-BE49-F238E27FC236}">
+                <a16:creationId xmlns:a16="http://schemas.microsoft.com/office/drawing/2014/main" id="{FF91A4A5-6B65-4382-AE44-AF60AAD8A305}"/>
+              </a:ext>
+            </a:extLst>
+          </p:cNvPr>
+          <p:cNvSpPr/>
+          <p:nvPr/>
+        </p:nvSpPr>
+        <p:spPr>
+          <a:xfrm>
+            <a:off x="8077197" y="1836822"/>
+            <a:ext cx="401056" cy="978568"/>
+          </a:xfrm>
+          <a:prstGeom prst="rect">
+            <a:avLst/>
+          </a:prstGeom>
+          <a:noFill/>
+        </p:spPr>
+        <p:style>
+          <a:lnRef idx="2">
+            <a:schemeClr val="accent1">
+              <a:shade val="50000"/>
+            </a:schemeClr>
+          </a:lnRef>
+          <a:fillRef idx="1">
+            <a:schemeClr val="accent1"/>
+          </a:fillRef>
+          <a:effectRef idx="0">
+            <a:schemeClr val="accent1"/>
+          </a:effectRef>
+          <a:fontRef idx="minor">
+            <a:schemeClr val="lt1"/>
+          </a:fontRef>
+        </p:style>
+        <p:txBody>
+          <a:bodyPr rtlCol="0" anchor="ctr"/>
+          <a:lstStyle/>
+          <a:p>
+            <a:pPr algn="ctr"/>
+            <a:endParaRPr kumimoji="1" lang="ja-JP" altLang="en-US" dirty="0">
+              <a:solidFill>
+                <a:srgbClr val="FF0000"/>
+              </a:solidFill>
+            </a:endParaRPr>
+          </a:p>
+        </p:txBody>
+      </p:sp>
+      <p:sp>
+        <p:nvSpPr>
+          <p:cNvPr id="20" name="正方形/長方形 19">
+            <a:extLst>
+              <a:ext uri="{FF2B5EF4-FFF2-40B4-BE49-F238E27FC236}">
+                <a16:creationId xmlns:a16="http://schemas.microsoft.com/office/drawing/2014/main" id="{00418388-9FA7-4F9F-8F2E-439D338A1ADE}"/>
+              </a:ext>
+            </a:extLst>
+          </p:cNvPr>
+          <p:cNvSpPr/>
+          <p:nvPr/>
+        </p:nvSpPr>
+        <p:spPr>
+          <a:xfrm>
+            <a:off x="2919658" y="4876800"/>
+            <a:ext cx="401056" cy="978568"/>
+          </a:xfrm>
+          <a:prstGeom prst="rect">
+            <a:avLst/>
+          </a:prstGeom>
+          <a:noFill/>
+        </p:spPr>
+        <p:style>
+          <a:lnRef idx="2">
+            <a:schemeClr val="accent1">
+              <a:shade val="50000"/>
+            </a:schemeClr>
+          </a:lnRef>
+          <a:fillRef idx="1">
+            <a:schemeClr val="accent1"/>
+          </a:fillRef>
+          <a:effectRef idx="0">
+            <a:schemeClr val="accent1"/>
+          </a:effectRef>
+          <a:fontRef idx="minor">
+            <a:schemeClr val="lt1"/>
+          </a:fontRef>
+        </p:style>
+        <p:txBody>
+          <a:bodyPr rtlCol="0" anchor="ctr"/>
+          <a:lstStyle/>
+          <a:p>
+            <a:pPr algn="ctr"/>
+            <a:endParaRPr kumimoji="1" lang="ja-JP" altLang="en-US" dirty="0">
+              <a:solidFill>
+                <a:srgbClr val="FF0000"/>
+              </a:solidFill>
+            </a:endParaRPr>
+          </a:p>
+        </p:txBody>
+      </p:sp>
+      <p:sp>
+        <p:nvSpPr>
+          <p:cNvPr id="22" name="正方形/長方形 21">
+            <a:extLst>
+              <a:ext uri="{FF2B5EF4-FFF2-40B4-BE49-F238E27FC236}">
+                <a16:creationId xmlns:a16="http://schemas.microsoft.com/office/drawing/2014/main" id="{1519E138-20DB-478C-A290-6D8D9142F275}"/>
+              </a:ext>
+            </a:extLst>
+          </p:cNvPr>
+          <p:cNvSpPr/>
+          <p:nvPr/>
+        </p:nvSpPr>
+        <p:spPr>
+          <a:xfrm>
+            <a:off x="9841825" y="807118"/>
+            <a:ext cx="1764633" cy="427118"/>
+          </a:xfrm>
+          <a:prstGeom prst="rect">
+            <a:avLst/>
+          </a:prstGeom>
+          <a:noFill/>
+        </p:spPr>
+        <p:style>
+          <a:lnRef idx="2">
+            <a:schemeClr val="accent1">
+              <a:shade val="50000"/>
+            </a:schemeClr>
+          </a:lnRef>
+          <a:fillRef idx="1">
+            <a:schemeClr val="accent1"/>
+          </a:fillRef>
+          <a:effectRef idx="0">
+            <a:schemeClr val="accent1"/>
+          </a:effectRef>
+          <a:fontRef idx="minor">
+            <a:schemeClr val="lt1"/>
+          </a:fontRef>
+        </p:style>
+        <p:txBody>
+          <a:bodyPr rtlCol="0" anchor="ctr"/>
+          <a:lstStyle/>
+          <a:p>
+            <a:pPr algn="ctr"/>
+            <a:r>
+              <a:rPr kumimoji="1" lang="ja-JP" altLang="en-US" dirty="0">
+                <a:solidFill>
+                  <a:srgbClr val="FF0000"/>
+                </a:solidFill>
+              </a:rPr>
+              <a:t>ホームページ</a:t>
+            </a:r>
+          </a:p>
+        </p:txBody>
+      </p:sp>
+      <p:sp>
+        <p:nvSpPr>
+          <p:cNvPr id="24" name="正方形/長方形 23">
+            <a:extLst>
+              <a:ext uri="{FF2B5EF4-FFF2-40B4-BE49-F238E27FC236}">
+                <a16:creationId xmlns:a16="http://schemas.microsoft.com/office/drawing/2014/main" id="{5F9234AB-57E9-4310-8FD4-97AB662BD62F}"/>
+              </a:ext>
+            </a:extLst>
+          </p:cNvPr>
+          <p:cNvSpPr/>
+          <p:nvPr/>
+        </p:nvSpPr>
+        <p:spPr>
+          <a:xfrm>
+            <a:off x="10523614" y="2446421"/>
+            <a:ext cx="401056" cy="978568"/>
+          </a:xfrm>
+          <a:prstGeom prst="rect">
+            <a:avLst/>
+          </a:prstGeom>
+          <a:noFill/>
+        </p:spPr>
+        <p:style>
+          <a:lnRef idx="2">
+            <a:schemeClr val="accent1">
+              <a:shade val="50000"/>
+            </a:schemeClr>
+          </a:lnRef>
+          <a:fillRef idx="1">
+            <a:schemeClr val="accent1"/>
+          </a:fillRef>
+          <a:effectRef idx="0">
+            <a:schemeClr val="accent1"/>
+          </a:effectRef>
+          <a:fontRef idx="minor">
+            <a:schemeClr val="lt1"/>
+          </a:fontRef>
+        </p:style>
+        <p:txBody>
+          <a:bodyPr rtlCol="0" anchor="ctr"/>
+          <a:lstStyle/>
+          <a:p>
+            <a:pPr algn="ctr"/>
+            <a:endParaRPr kumimoji="1" lang="ja-JP" altLang="en-US" dirty="0">
+              <a:solidFill>
+                <a:srgbClr val="FF0000"/>
+              </a:solidFill>
+            </a:endParaRPr>
+          </a:p>
+        </p:txBody>
+      </p:sp>
+      <p:cxnSp>
+        <p:nvCxnSpPr>
+          <p:cNvPr id="26" name="直線コネクタ 25">
+            <a:extLst>
+              <a:ext uri="{FF2B5EF4-FFF2-40B4-BE49-F238E27FC236}">
+                <a16:creationId xmlns:a16="http://schemas.microsoft.com/office/drawing/2014/main" id="{48602638-815D-49B9-9AAB-CC87FE73BCA2}"/>
+              </a:ext>
+            </a:extLst>
+          </p:cNvPr>
+          <p:cNvCxnSpPr>
+            <a:cxnSpLocks/>
+            <a:stCxn id="2" idx="2"/>
+            <a:endCxn id="4" idx="0"/>
+          </p:cNvCxnSpPr>
+          <p:nvPr/>
+        </p:nvCxnSpPr>
+        <p:spPr>
+          <a:xfrm flipH="1">
+            <a:off x="1050757" y="1219200"/>
+            <a:ext cx="1" cy="617621"/>
+          </a:xfrm>
+          <a:prstGeom prst="line">
+            <a:avLst/>
+          </a:prstGeom>
+          <a:ln>
+            <a:prstDash val="dash"/>
+          </a:ln>
+        </p:spPr>
+        <p:style>
+          <a:lnRef idx="1">
+            <a:schemeClr val="accent1"/>
+          </a:lnRef>
+          <a:fillRef idx="0">
+            <a:schemeClr val="accent1"/>
+          </a:fillRef>
+          <a:effectRef idx="0">
+            <a:schemeClr val="accent1"/>
+          </a:effectRef>
+          <a:fontRef idx="minor">
+            <a:schemeClr val="tx1"/>
+          </a:fontRef>
+        </p:style>
+      </p:cxnSp>
+      <p:cxnSp>
+        <p:nvCxnSpPr>
+          <p:cNvPr id="28" name="直線コネクタ 27">
+            <a:extLst>
+              <a:ext uri="{FF2B5EF4-FFF2-40B4-BE49-F238E27FC236}">
+                <a16:creationId xmlns:a16="http://schemas.microsoft.com/office/drawing/2014/main" id="{70238241-414D-4AE2-B078-C0D00509D003}"/>
+              </a:ext>
+            </a:extLst>
+          </p:cNvPr>
+          <p:cNvCxnSpPr>
+            <a:cxnSpLocks/>
+          </p:cNvCxnSpPr>
+          <p:nvPr/>
+        </p:nvCxnSpPr>
+        <p:spPr>
+          <a:xfrm flipH="1">
+            <a:off x="1050755" y="5807241"/>
+            <a:ext cx="1" cy="617621"/>
+          </a:xfrm>
+          <a:prstGeom prst="line">
+            <a:avLst/>
+          </a:prstGeom>
+          <a:ln>
+            <a:prstDash val="dash"/>
+          </a:ln>
+        </p:spPr>
+        <p:style>
+          <a:lnRef idx="1">
+            <a:schemeClr val="accent1"/>
+          </a:lnRef>
+          <a:fillRef idx="0">
+            <a:schemeClr val="accent1"/>
+          </a:fillRef>
+          <a:effectRef idx="0">
+            <a:schemeClr val="accent1"/>
+          </a:effectRef>
+          <a:fontRef idx="minor">
+            <a:schemeClr val="tx1"/>
+          </a:fontRef>
+        </p:style>
+      </p:cxnSp>
+      <p:cxnSp>
+        <p:nvCxnSpPr>
+          <p:cNvPr id="29" name="直線コネクタ 28">
+            <a:extLst>
+              <a:ext uri="{FF2B5EF4-FFF2-40B4-BE49-F238E27FC236}">
+                <a16:creationId xmlns:a16="http://schemas.microsoft.com/office/drawing/2014/main" id="{3E3631BB-5565-422F-A241-5DF74918C7D6}"/>
+              </a:ext>
+            </a:extLst>
+          </p:cNvPr>
+          <p:cNvCxnSpPr>
+            <a:cxnSpLocks/>
+          </p:cNvCxnSpPr>
+          <p:nvPr/>
+        </p:nvCxnSpPr>
+        <p:spPr>
+          <a:xfrm flipH="1">
+            <a:off x="8289762" y="2815390"/>
+            <a:ext cx="1" cy="1251285"/>
+          </a:xfrm>
+          <a:prstGeom prst="line">
+            <a:avLst/>
+          </a:prstGeom>
+          <a:ln>
+            <a:prstDash val="dash"/>
+          </a:ln>
+        </p:spPr>
+        <p:style>
+          <a:lnRef idx="1">
+            <a:schemeClr val="accent1"/>
+          </a:lnRef>
+          <a:fillRef idx="0">
+            <a:schemeClr val="accent1"/>
+          </a:fillRef>
+          <a:effectRef idx="0">
+            <a:schemeClr val="accent1"/>
+          </a:effectRef>
+          <a:fontRef idx="minor">
+            <a:schemeClr val="tx1"/>
+          </a:fontRef>
+        </p:style>
+      </p:cxnSp>
+      <p:cxnSp>
+        <p:nvCxnSpPr>
+          <p:cNvPr id="30" name="直線コネクタ 29">
+            <a:extLst>
+              <a:ext uri="{FF2B5EF4-FFF2-40B4-BE49-F238E27FC236}">
+                <a16:creationId xmlns:a16="http://schemas.microsoft.com/office/drawing/2014/main" id="{ED317C95-07B7-4B79-B415-CF58A9F4B54F}"/>
+              </a:ext>
+            </a:extLst>
+          </p:cNvPr>
+          <p:cNvCxnSpPr>
+            <a:cxnSpLocks/>
+          </p:cNvCxnSpPr>
+          <p:nvPr/>
+        </p:nvCxnSpPr>
+        <p:spPr>
+          <a:xfrm flipH="1">
+            <a:off x="8289761" y="1219200"/>
+            <a:ext cx="1" cy="617621"/>
+          </a:xfrm>
+          <a:prstGeom prst="line">
+            <a:avLst/>
+          </a:prstGeom>
+          <a:ln>
+            <a:prstDash val="dash"/>
+          </a:ln>
+        </p:spPr>
+        <p:style>
+          <a:lnRef idx="1">
+            <a:schemeClr val="accent1"/>
+          </a:lnRef>
+          <a:fillRef idx="0">
+            <a:schemeClr val="accent1"/>
+          </a:fillRef>
+          <a:effectRef idx="0">
+            <a:schemeClr val="accent1"/>
+          </a:effectRef>
+          <a:fontRef idx="minor">
+            <a:schemeClr val="tx1"/>
+          </a:fontRef>
+        </p:style>
+      </p:cxnSp>
+      <p:cxnSp>
+        <p:nvCxnSpPr>
+          <p:cNvPr id="31" name="直線コネクタ 30">
+            <a:extLst>
+              <a:ext uri="{FF2B5EF4-FFF2-40B4-BE49-F238E27FC236}">
+                <a16:creationId xmlns:a16="http://schemas.microsoft.com/office/drawing/2014/main" id="{A94A0120-05E5-46BE-87E2-3B94AD0BF6C8}"/>
+              </a:ext>
+            </a:extLst>
+          </p:cNvPr>
+          <p:cNvCxnSpPr>
+            <a:cxnSpLocks/>
+          </p:cNvCxnSpPr>
+          <p:nvPr/>
+        </p:nvCxnSpPr>
+        <p:spPr>
+          <a:xfrm>
+            <a:off x="5414209" y="2815390"/>
+            <a:ext cx="0" cy="1215191"/>
+          </a:xfrm>
+          <a:prstGeom prst="line">
+            <a:avLst/>
+          </a:prstGeom>
+          <a:ln>
+            <a:prstDash val="dash"/>
+          </a:ln>
+        </p:spPr>
+        <p:style>
+          <a:lnRef idx="1">
+            <a:schemeClr val="accent1"/>
+          </a:lnRef>
+          <a:fillRef idx="0">
+            <a:schemeClr val="accent1"/>
+          </a:fillRef>
+          <a:effectRef idx="0">
+            <a:schemeClr val="accent1"/>
+          </a:effectRef>
+          <a:fontRef idx="minor">
+            <a:schemeClr val="tx1"/>
+          </a:fontRef>
+        </p:style>
+      </p:cxnSp>
+      <p:cxnSp>
+        <p:nvCxnSpPr>
+          <p:cNvPr id="32" name="直線コネクタ 31">
+            <a:extLst>
+              <a:ext uri="{FF2B5EF4-FFF2-40B4-BE49-F238E27FC236}">
+                <a16:creationId xmlns:a16="http://schemas.microsoft.com/office/drawing/2014/main" id="{038F57E9-5BC0-4DBE-B7F1-0C9F0D6B7E0A}"/>
+              </a:ext>
+            </a:extLst>
+          </p:cNvPr>
+          <p:cNvCxnSpPr>
+            <a:cxnSpLocks/>
+          </p:cNvCxnSpPr>
+          <p:nvPr/>
+        </p:nvCxnSpPr>
+        <p:spPr>
+          <a:xfrm flipH="1">
+            <a:off x="5414209" y="1235242"/>
+            <a:ext cx="1" cy="617621"/>
+          </a:xfrm>
+          <a:prstGeom prst="line">
+            <a:avLst/>
+          </a:prstGeom>
+          <a:ln>
+            <a:prstDash val="dash"/>
+          </a:ln>
+        </p:spPr>
+        <p:style>
+          <a:lnRef idx="1">
+            <a:schemeClr val="accent1"/>
+          </a:lnRef>
+          <a:fillRef idx="0">
+            <a:schemeClr val="accent1"/>
+          </a:fillRef>
+          <a:effectRef idx="0">
+            <a:schemeClr val="accent1"/>
+          </a:effectRef>
+          <a:fontRef idx="minor">
+            <a:schemeClr val="tx1"/>
+          </a:fontRef>
+        </p:style>
+      </p:cxnSp>
+      <p:cxnSp>
+        <p:nvCxnSpPr>
+          <p:cNvPr id="33" name="直線コネクタ 32">
+            <a:extLst>
+              <a:ext uri="{FF2B5EF4-FFF2-40B4-BE49-F238E27FC236}">
+                <a16:creationId xmlns:a16="http://schemas.microsoft.com/office/drawing/2014/main" id="{FB30ADD9-D8AC-4163-A2AF-4442CB3F5964}"/>
+              </a:ext>
+            </a:extLst>
+          </p:cNvPr>
+          <p:cNvCxnSpPr>
+            <a:cxnSpLocks/>
+            <a:endCxn id="24" idx="0"/>
+          </p:cNvCxnSpPr>
+          <p:nvPr/>
+        </p:nvCxnSpPr>
+        <p:spPr>
+          <a:xfrm flipH="1">
+            <a:off x="10724142" y="1234236"/>
+            <a:ext cx="14050" cy="1212185"/>
+          </a:xfrm>
+          <a:prstGeom prst="line">
+            <a:avLst/>
+          </a:prstGeom>
+          <a:ln>
+            <a:prstDash val="dash"/>
+          </a:ln>
+        </p:spPr>
+        <p:style>
+          <a:lnRef idx="1">
+            <a:schemeClr val="accent1"/>
+          </a:lnRef>
+          <a:fillRef idx="0">
+            <a:schemeClr val="accent1"/>
+          </a:fillRef>
+          <a:effectRef idx="0">
+            <a:schemeClr val="accent1"/>
+          </a:effectRef>
+          <a:fontRef idx="minor">
+            <a:schemeClr val="tx1"/>
+          </a:fontRef>
+        </p:style>
+      </p:cxnSp>
+      <p:cxnSp>
+        <p:nvCxnSpPr>
+          <p:cNvPr id="34" name="直線コネクタ 33">
+            <a:extLst>
+              <a:ext uri="{FF2B5EF4-FFF2-40B4-BE49-F238E27FC236}">
+                <a16:creationId xmlns:a16="http://schemas.microsoft.com/office/drawing/2014/main" id="{07938BF0-4EEB-416F-B13B-E9812D95B1D4}"/>
+              </a:ext>
+            </a:extLst>
+          </p:cNvPr>
+          <p:cNvCxnSpPr>
+            <a:cxnSpLocks/>
+            <a:endCxn id="16" idx="0"/>
+          </p:cNvCxnSpPr>
+          <p:nvPr/>
+        </p:nvCxnSpPr>
+        <p:spPr>
+          <a:xfrm>
+            <a:off x="10724142" y="3412960"/>
+            <a:ext cx="3" cy="437146"/>
+          </a:xfrm>
+          <a:prstGeom prst="line">
+            <a:avLst/>
+          </a:prstGeom>
+          <a:ln>
+            <a:prstDash val="dash"/>
+          </a:ln>
+        </p:spPr>
+        <p:style>
+          <a:lnRef idx="1">
+            <a:schemeClr val="accent1"/>
+          </a:lnRef>
+          <a:fillRef idx="0">
+            <a:schemeClr val="accent1"/>
+          </a:fillRef>
+          <a:effectRef idx="0">
+            <a:schemeClr val="accent1"/>
+          </a:effectRef>
+          <a:fontRef idx="minor">
+            <a:schemeClr val="tx1"/>
+          </a:fontRef>
+        </p:style>
+      </p:cxnSp>
+      <p:cxnSp>
+        <p:nvCxnSpPr>
+          <p:cNvPr id="35" name="直線コネクタ 34">
+            <a:extLst>
+              <a:ext uri="{FF2B5EF4-FFF2-40B4-BE49-F238E27FC236}">
+                <a16:creationId xmlns:a16="http://schemas.microsoft.com/office/drawing/2014/main" id="{BED58079-BC94-4C41-B161-275A8F205B4B}"/>
+              </a:ext>
+            </a:extLst>
+          </p:cNvPr>
+          <p:cNvCxnSpPr>
+            <a:cxnSpLocks/>
+          </p:cNvCxnSpPr>
+          <p:nvPr/>
+        </p:nvCxnSpPr>
+        <p:spPr>
+          <a:xfrm flipH="1">
+            <a:off x="10740184" y="5871408"/>
+            <a:ext cx="1" cy="617621"/>
+          </a:xfrm>
+          <a:prstGeom prst="line">
+            <a:avLst/>
+          </a:prstGeom>
+          <a:ln>
+            <a:prstDash val="dash"/>
+          </a:ln>
+        </p:spPr>
+        <p:style>
+          <a:lnRef idx="1">
+            <a:schemeClr val="accent1"/>
+          </a:lnRef>
+          <a:fillRef idx="0">
+            <a:schemeClr val="accent1"/>
+          </a:fillRef>
+          <a:effectRef idx="0">
+            <a:schemeClr val="accent1"/>
+          </a:effectRef>
+          <a:fontRef idx="minor">
+            <a:schemeClr val="tx1"/>
+          </a:fontRef>
+        </p:style>
+      </p:cxnSp>
+      <p:cxnSp>
+        <p:nvCxnSpPr>
+          <p:cNvPr id="36" name="直線コネクタ 35">
+            <a:extLst>
+              <a:ext uri="{FF2B5EF4-FFF2-40B4-BE49-F238E27FC236}">
+                <a16:creationId xmlns:a16="http://schemas.microsoft.com/office/drawing/2014/main" id="{73A050C4-645A-4DA1-A6B0-6DC92BCBE012}"/>
+              </a:ext>
+            </a:extLst>
+          </p:cNvPr>
+          <p:cNvCxnSpPr>
+            <a:cxnSpLocks/>
+          </p:cNvCxnSpPr>
+          <p:nvPr/>
+        </p:nvCxnSpPr>
+        <p:spPr>
+          <a:xfrm flipH="1">
+            <a:off x="3120186" y="5827293"/>
+            <a:ext cx="1" cy="617621"/>
+          </a:xfrm>
+          <a:prstGeom prst="line">
+            <a:avLst/>
+          </a:prstGeom>
+          <a:ln>
+            <a:prstDash val="dash"/>
+          </a:ln>
+        </p:spPr>
+        <p:style>
+          <a:lnRef idx="1">
+            <a:schemeClr val="accent1"/>
+          </a:lnRef>
+          <a:fillRef idx="0">
+            <a:schemeClr val="accent1"/>
+          </a:fillRef>
+          <a:effectRef idx="0">
+            <a:schemeClr val="accent1"/>
+          </a:effectRef>
+          <a:fontRef idx="minor">
+            <a:schemeClr val="tx1"/>
+          </a:fontRef>
+        </p:style>
+      </p:cxnSp>
+      <p:cxnSp>
+        <p:nvCxnSpPr>
+          <p:cNvPr id="37" name="直線コネクタ 36">
+            <a:extLst>
+              <a:ext uri="{FF2B5EF4-FFF2-40B4-BE49-F238E27FC236}">
+                <a16:creationId xmlns:a16="http://schemas.microsoft.com/office/drawing/2014/main" id="{8F6D2CD2-0F3F-4C32-BF70-ECD6CF63C6F7}"/>
+              </a:ext>
+            </a:extLst>
+          </p:cNvPr>
+          <p:cNvCxnSpPr>
+            <a:cxnSpLocks/>
+            <a:endCxn id="20" idx="0"/>
+          </p:cNvCxnSpPr>
+          <p:nvPr/>
+        </p:nvCxnSpPr>
+        <p:spPr>
+          <a:xfrm flipH="1">
+            <a:off x="3120186" y="3433011"/>
+            <a:ext cx="24068" cy="1443789"/>
+          </a:xfrm>
+          <a:prstGeom prst="line">
+            <a:avLst/>
+          </a:prstGeom>
+          <a:ln>
+            <a:prstDash val="dash"/>
+          </a:ln>
+        </p:spPr>
+        <p:style>
+          <a:lnRef idx="1">
+            <a:schemeClr val="accent1"/>
+          </a:lnRef>
+          <a:fillRef idx="0">
+            <a:schemeClr val="accent1"/>
+          </a:fillRef>
+          <a:effectRef idx="0">
+            <a:schemeClr val="accent1"/>
+          </a:effectRef>
+          <a:fontRef idx="minor">
+            <a:schemeClr val="tx1"/>
+          </a:fontRef>
+        </p:style>
+      </p:cxnSp>
+      <p:cxnSp>
+        <p:nvCxnSpPr>
+          <p:cNvPr id="38" name="直線コネクタ 37">
+            <a:extLst>
+              <a:ext uri="{FF2B5EF4-FFF2-40B4-BE49-F238E27FC236}">
+                <a16:creationId xmlns:a16="http://schemas.microsoft.com/office/drawing/2014/main" id="{FD459D2E-24A1-494B-AB51-44A730B8AA4B}"/>
+              </a:ext>
+            </a:extLst>
+          </p:cNvPr>
+          <p:cNvCxnSpPr>
+            <a:cxnSpLocks/>
+          </p:cNvCxnSpPr>
+          <p:nvPr/>
+        </p:nvCxnSpPr>
+        <p:spPr>
+          <a:xfrm flipH="1">
+            <a:off x="3152278" y="1235242"/>
+            <a:ext cx="1" cy="617621"/>
+          </a:xfrm>
+          <a:prstGeom prst="line">
+            <a:avLst/>
+          </a:prstGeom>
+          <a:ln>
+            <a:prstDash val="dash"/>
+          </a:ln>
+        </p:spPr>
+        <p:style>
+          <a:lnRef idx="1">
+            <a:schemeClr val="accent1"/>
+          </a:lnRef>
+          <a:fillRef idx="0">
+            <a:schemeClr val="accent1"/>
+          </a:fillRef>
+          <a:effectRef idx="0">
+            <a:schemeClr val="accent1"/>
+          </a:effectRef>
+          <a:fontRef idx="minor">
+            <a:schemeClr val="tx1"/>
+          </a:fontRef>
+        </p:style>
+      </p:cxnSp>
+      <p:cxnSp>
+        <p:nvCxnSpPr>
+          <p:cNvPr id="44" name="直線コネクタ 43">
+            <a:extLst>
+              <a:ext uri="{FF2B5EF4-FFF2-40B4-BE49-F238E27FC236}">
+                <a16:creationId xmlns:a16="http://schemas.microsoft.com/office/drawing/2014/main" id="{ED7CFD3B-C36C-4D6A-ACCE-5FA0896677A2}"/>
+              </a:ext>
+            </a:extLst>
+          </p:cNvPr>
+          <p:cNvCxnSpPr>
+            <a:cxnSpLocks/>
+          </p:cNvCxnSpPr>
+          <p:nvPr/>
+        </p:nvCxnSpPr>
+        <p:spPr>
+          <a:xfrm flipH="1">
+            <a:off x="3368841" y="2720139"/>
+            <a:ext cx="1844840" cy="1"/>
+          </a:xfrm>
+          <a:prstGeom prst="line">
+            <a:avLst/>
+          </a:prstGeom>
+          <a:ln>
+            <a:prstDash val="dash"/>
+          </a:ln>
+        </p:spPr>
+        <p:style>
+          <a:lnRef idx="1">
+            <a:schemeClr val="accent1"/>
+          </a:lnRef>
+          <a:fillRef idx="0">
+            <a:schemeClr val="accent1"/>
+          </a:fillRef>
+          <a:effectRef idx="0">
+            <a:schemeClr val="accent1"/>
+          </a:effectRef>
+          <a:fontRef idx="minor">
+            <a:schemeClr val="tx1"/>
+          </a:fontRef>
+        </p:style>
+      </p:cxnSp>
+      <p:cxnSp>
+        <p:nvCxnSpPr>
+          <p:cNvPr id="45" name="直線コネクタ 44">
+            <a:extLst>
+              <a:ext uri="{FF2B5EF4-FFF2-40B4-BE49-F238E27FC236}">
+                <a16:creationId xmlns:a16="http://schemas.microsoft.com/office/drawing/2014/main" id="{6DF6DF48-CECC-4136-8DBB-4CDA46FE2DFA}"/>
+              </a:ext>
+            </a:extLst>
+          </p:cNvPr>
+          <p:cNvCxnSpPr>
+            <a:cxnSpLocks/>
+          </p:cNvCxnSpPr>
+          <p:nvPr/>
+        </p:nvCxnSpPr>
+        <p:spPr>
+          <a:xfrm flipH="1">
+            <a:off x="3344780" y="2014285"/>
+            <a:ext cx="1868902" cy="0"/>
+          </a:xfrm>
+          <a:prstGeom prst="line">
+            <a:avLst/>
+          </a:prstGeom>
+          <a:ln>
+            <a:prstDash val="solid"/>
+          </a:ln>
+        </p:spPr>
+        <p:style>
+          <a:lnRef idx="1">
+            <a:schemeClr val="accent1"/>
+          </a:lnRef>
+          <a:fillRef idx="0">
+            <a:schemeClr val="accent1"/>
+          </a:fillRef>
+          <a:effectRef idx="0">
+            <a:schemeClr val="accent1"/>
+          </a:effectRef>
+          <a:fontRef idx="minor">
+            <a:schemeClr val="tx1"/>
+          </a:fontRef>
+        </p:style>
+      </p:cxnSp>
+      <p:cxnSp>
+        <p:nvCxnSpPr>
+          <p:cNvPr id="46" name="直線コネクタ 45">
+            <a:extLst>
+              <a:ext uri="{FF2B5EF4-FFF2-40B4-BE49-F238E27FC236}">
+                <a16:creationId xmlns:a16="http://schemas.microsoft.com/office/drawing/2014/main" id="{C970CD43-1D96-4882-B4E1-FE250187FBFA}"/>
+              </a:ext>
+            </a:extLst>
+          </p:cNvPr>
+          <p:cNvCxnSpPr>
+            <a:cxnSpLocks/>
+          </p:cNvCxnSpPr>
+          <p:nvPr/>
+        </p:nvCxnSpPr>
+        <p:spPr>
+          <a:xfrm flipH="1">
+            <a:off x="1303420" y="4471737"/>
+            <a:ext cx="9220196" cy="0"/>
+          </a:xfrm>
+          <a:prstGeom prst="line">
+            <a:avLst/>
+          </a:prstGeom>
+          <a:ln>
+            <a:prstDash val="solid"/>
+          </a:ln>
+        </p:spPr>
+        <p:style>
+          <a:lnRef idx="1">
+            <a:schemeClr val="accent1"/>
+          </a:lnRef>
+          <a:fillRef idx="0">
+            <a:schemeClr val="accent1"/>
+          </a:fillRef>
+          <a:effectRef idx="0">
+            <a:schemeClr val="accent1"/>
+          </a:effectRef>
+          <a:fontRef idx="minor">
+            <a:schemeClr val="tx1"/>
+          </a:fontRef>
+        </p:style>
+      </p:cxnSp>
+      <p:cxnSp>
+        <p:nvCxnSpPr>
+          <p:cNvPr id="47" name="直線コネクタ 46">
+            <a:extLst>
+              <a:ext uri="{FF2B5EF4-FFF2-40B4-BE49-F238E27FC236}">
+                <a16:creationId xmlns:a16="http://schemas.microsoft.com/office/drawing/2014/main" id="{26089C9A-870A-4710-B90F-E564E1A17295}"/>
+              </a:ext>
+            </a:extLst>
+          </p:cNvPr>
+          <p:cNvCxnSpPr>
+            <a:cxnSpLocks/>
+          </p:cNvCxnSpPr>
+          <p:nvPr/>
+        </p:nvCxnSpPr>
+        <p:spPr>
+          <a:xfrm flipH="1">
+            <a:off x="3320714" y="5366084"/>
+            <a:ext cx="7202900" cy="0"/>
+          </a:xfrm>
+          <a:prstGeom prst="line">
+            <a:avLst/>
+          </a:prstGeom>
+          <a:ln>
+            <a:prstDash val="solid"/>
+          </a:ln>
+        </p:spPr>
+        <p:style>
+          <a:lnRef idx="1">
+            <a:schemeClr val="accent1"/>
+          </a:lnRef>
+          <a:fillRef idx="0">
+            <a:schemeClr val="accent1"/>
+          </a:fillRef>
+          <a:effectRef idx="0">
+            <a:schemeClr val="accent1"/>
+          </a:effectRef>
+          <a:fontRef idx="minor">
+            <a:schemeClr val="tx1"/>
+          </a:fontRef>
+        </p:style>
+      </p:cxnSp>
+      <p:cxnSp>
+        <p:nvCxnSpPr>
+          <p:cNvPr id="48" name="直線コネクタ 47">
+            <a:extLst>
+              <a:ext uri="{FF2B5EF4-FFF2-40B4-BE49-F238E27FC236}">
+                <a16:creationId xmlns:a16="http://schemas.microsoft.com/office/drawing/2014/main" id="{99DF1E92-59A6-46A9-B446-A60A2D3AC66A}"/>
+              </a:ext>
+            </a:extLst>
+          </p:cNvPr>
+          <p:cNvCxnSpPr>
+            <a:cxnSpLocks/>
+            <a:endCxn id="12" idx="1"/>
+          </p:cNvCxnSpPr>
+          <p:nvPr/>
+        </p:nvCxnSpPr>
+        <p:spPr>
+          <a:xfrm>
+            <a:off x="1251283" y="2632910"/>
+            <a:ext cx="1692441" cy="1"/>
+          </a:xfrm>
+          <a:prstGeom prst="line">
+            <a:avLst/>
+          </a:prstGeom>
+          <a:ln>
+            <a:prstDash val="solid"/>
+          </a:ln>
+        </p:spPr>
+        <p:style>
+          <a:lnRef idx="1">
+            <a:schemeClr val="accent1"/>
+          </a:lnRef>
+          <a:fillRef idx="0">
+            <a:schemeClr val="accent1"/>
+          </a:fillRef>
+          <a:effectRef idx="0">
+            <a:schemeClr val="accent1"/>
+          </a:effectRef>
+          <a:fontRef idx="minor">
+            <a:schemeClr val="tx1"/>
+          </a:fontRef>
+        </p:style>
+      </p:cxnSp>
+      <p:cxnSp>
+        <p:nvCxnSpPr>
+          <p:cNvPr id="58" name="直線コネクタ 57">
+            <a:extLst>
+              <a:ext uri="{FF2B5EF4-FFF2-40B4-BE49-F238E27FC236}">
+                <a16:creationId xmlns:a16="http://schemas.microsoft.com/office/drawing/2014/main" id="{7752BE8A-E6FF-4F63-9C8A-7C7117F71F35}"/>
+              </a:ext>
+            </a:extLst>
+          </p:cNvPr>
+          <p:cNvCxnSpPr>
+            <a:cxnSpLocks/>
+          </p:cNvCxnSpPr>
+          <p:nvPr/>
+        </p:nvCxnSpPr>
+        <p:spPr>
+          <a:xfrm flipH="1">
+            <a:off x="3348802" y="3243514"/>
+            <a:ext cx="7082567" cy="0"/>
+          </a:xfrm>
+          <a:prstGeom prst="line">
+            <a:avLst/>
+          </a:prstGeom>
+          <a:ln>
+            <a:prstDash val="solid"/>
+          </a:ln>
+        </p:spPr>
+        <p:style>
+          <a:lnRef idx="1">
+            <a:schemeClr val="accent1"/>
+          </a:lnRef>
+          <a:fillRef idx="0">
+            <a:schemeClr val="accent1"/>
+          </a:fillRef>
+          <a:effectRef idx="0">
+            <a:schemeClr val="accent1"/>
+          </a:effectRef>
+          <a:fontRef idx="minor">
+            <a:schemeClr val="tx1"/>
+          </a:fontRef>
+        </p:style>
+      </p:cxnSp>
+      <p:cxnSp>
+        <p:nvCxnSpPr>
+          <p:cNvPr id="59" name="直線コネクタ 58">
+            <a:extLst>
+              <a:ext uri="{FF2B5EF4-FFF2-40B4-BE49-F238E27FC236}">
+                <a16:creationId xmlns:a16="http://schemas.microsoft.com/office/drawing/2014/main" id="{77C82BCE-35E1-4ADB-983D-11810F75F6D4}"/>
+              </a:ext>
+            </a:extLst>
+          </p:cNvPr>
+          <p:cNvCxnSpPr>
+            <a:cxnSpLocks/>
+          </p:cNvCxnSpPr>
+          <p:nvPr/>
+        </p:nvCxnSpPr>
+        <p:spPr>
+          <a:xfrm flipH="1">
+            <a:off x="5614738" y="2529140"/>
+            <a:ext cx="2474487" cy="4010"/>
+          </a:xfrm>
+          <a:prstGeom prst="line">
+            <a:avLst/>
+          </a:prstGeom>
+          <a:ln>
+            <a:prstDash val="dash"/>
+          </a:ln>
+        </p:spPr>
+        <p:style>
+          <a:lnRef idx="1">
+            <a:schemeClr val="accent1"/>
+          </a:lnRef>
+          <a:fillRef idx="0">
+            <a:schemeClr val="accent1"/>
+          </a:fillRef>
+          <a:effectRef idx="0">
+            <a:schemeClr val="accent1"/>
+          </a:effectRef>
+          <a:fontRef idx="minor">
+            <a:schemeClr val="tx1"/>
+          </a:fontRef>
+        </p:style>
+      </p:cxnSp>
+      <p:cxnSp>
+        <p:nvCxnSpPr>
+          <p:cNvPr id="60" name="直線コネクタ 59">
+            <a:extLst>
+              <a:ext uri="{FF2B5EF4-FFF2-40B4-BE49-F238E27FC236}">
+                <a16:creationId xmlns:a16="http://schemas.microsoft.com/office/drawing/2014/main" id="{2669137E-FA73-485B-8D21-854AEC2931C1}"/>
+              </a:ext>
+            </a:extLst>
+          </p:cNvPr>
+          <p:cNvCxnSpPr>
+            <a:cxnSpLocks/>
+          </p:cNvCxnSpPr>
+          <p:nvPr/>
+        </p:nvCxnSpPr>
+        <p:spPr>
+          <a:xfrm flipH="1">
+            <a:off x="5614738" y="2141621"/>
+            <a:ext cx="2474487" cy="0"/>
+          </a:xfrm>
+          <a:prstGeom prst="line">
+            <a:avLst/>
+          </a:prstGeom>
+          <a:ln>
+            <a:prstDash val="solid"/>
+          </a:ln>
+        </p:spPr>
+        <p:style>
+          <a:lnRef idx="1">
+            <a:schemeClr val="accent1"/>
+          </a:lnRef>
+          <a:fillRef idx="0">
+            <a:schemeClr val="accent1"/>
+          </a:fillRef>
+          <a:effectRef idx="0">
+            <a:schemeClr val="accent1"/>
+          </a:effectRef>
+          <a:fontRef idx="minor">
+            <a:schemeClr val="tx1"/>
+          </a:fontRef>
+        </p:style>
+      </p:cxnSp>
+      <p:sp>
+        <p:nvSpPr>
+          <p:cNvPr id="69" name="テキスト ボックス 68">
+            <a:extLst>
+              <a:ext uri="{FF2B5EF4-FFF2-40B4-BE49-F238E27FC236}">
+                <a16:creationId xmlns:a16="http://schemas.microsoft.com/office/drawing/2014/main" id="{136F8944-0A81-434E-AAEC-FD301A8EFE46}"/>
+              </a:ext>
+            </a:extLst>
+          </p:cNvPr>
+          <p:cNvSpPr txBox="1"/>
+          <p:nvPr/>
+        </p:nvSpPr>
+        <p:spPr>
+          <a:xfrm>
+            <a:off x="1574503" y="2326105"/>
+            <a:ext cx="1107996" cy="369332"/>
+          </a:xfrm>
+          <a:prstGeom prst="rect">
+            <a:avLst/>
+          </a:prstGeom>
+          <a:noFill/>
+        </p:spPr>
+        <p:txBody>
+          <a:bodyPr wrap="none" rtlCol="0">
+            <a:spAutoFit/>
+          </a:bodyPr>
+          <a:lstStyle/>
+          <a:p>
+            <a:r>
+              <a:rPr kumimoji="1" lang="ja-JP" altLang="en-US" dirty="0"/>
+              <a:t>ログイン</a:t>
+            </a:r>
+            <a:endParaRPr kumimoji="1" lang="en-US" altLang="ja-JP" dirty="0"/>
+          </a:p>
+        </p:txBody>
+      </p:sp>
+      <p:sp>
+        <p:nvSpPr>
+          <p:cNvPr id="71" name="テキスト ボックス 70">
+            <a:extLst>
+              <a:ext uri="{FF2B5EF4-FFF2-40B4-BE49-F238E27FC236}">
+                <a16:creationId xmlns:a16="http://schemas.microsoft.com/office/drawing/2014/main" id="{70DAD3EE-5AB3-4277-923A-975D9F00961A}"/>
+              </a:ext>
+            </a:extLst>
+          </p:cNvPr>
+          <p:cNvSpPr txBox="1"/>
+          <p:nvPr/>
+        </p:nvSpPr>
+        <p:spPr>
+          <a:xfrm>
+            <a:off x="1459087" y="4225090"/>
+            <a:ext cx="1338828" cy="369332"/>
+          </a:xfrm>
+          <a:prstGeom prst="rect">
+            <a:avLst/>
+          </a:prstGeom>
+          <a:noFill/>
+        </p:spPr>
+        <p:txBody>
+          <a:bodyPr wrap="none" rtlCol="0">
+            <a:spAutoFit/>
+          </a:bodyPr>
+          <a:lstStyle/>
+          <a:p>
+            <a:r>
+              <a:rPr kumimoji="1" lang="ja-JP" altLang="en-US" dirty="0"/>
+              <a:t>ログアウト</a:t>
+            </a:r>
+          </a:p>
+        </p:txBody>
+      </p:sp>
+      <p:sp>
+        <p:nvSpPr>
+          <p:cNvPr id="73" name="テキスト ボックス 72">
+            <a:extLst>
+              <a:ext uri="{FF2B5EF4-FFF2-40B4-BE49-F238E27FC236}">
+                <a16:creationId xmlns:a16="http://schemas.microsoft.com/office/drawing/2014/main" id="{7F287C0B-C3BF-4F59-A3C4-DD560D19BE18}"/>
+              </a:ext>
+            </a:extLst>
+          </p:cNvPr>
+          <p:cNvSpPr txBox="1"/>
+          <p:nvPr/>
+        </p:nvSpPr>
+        <p:spPr>
+          <a:xfrm>
+            <a:off x="5791085" y="5082341"/>
+            <a:ext cx="2262158" cy="369332"/>
+          </a:xfrm>
+          <a:prstGeom prst="rect">
+            <a:avLst/>
+          </a:prstGeom>
+          <a:noFill/>
+        </p:spPr>
+        <p:txBody>
+          <a:bodyPr wrap="none" rtlCol="0">
+            <a:spAutoFit/>
+          </a:bodyPr>
+          <a:lstStyle/>
+          <a:p>
+            <a:r>
+              <a:rPr lang="ja-JP" altLang="en-US" dirty="0"/>
+              <a:t>ログイン画面へ遷移</a:t>
+            </a:r>
+            <a:endParaRPr kumimoji="1" lang="ja-JP" altLang="en-US" dirty="0"/>
+          </a:p>
+        </p:txBody>
+      </p:sp>
+      <p:sp>
+        <p:nvSpPr>
+          <p:cNvPr id="75" name="テキスト ボックス 74">
+            <a:extLst>
+              <a:ext uri="{FF2B5EF4-FFF2-40B4-BE49-F238E27FC236}">
+                <a16:creationId xmlns:a16="http://schemas.microsoft.com/office/drawing/2014/main" id="{F9A50AA6-7D6B-46E4-8596-29756674690C}"/>
+              </a:ext>
+            </a:extLst>
+          </p:cNvPr>
+          <p:cNvSpPr txBox="1"/>
+          <p:nvPr/>
+        </p:nvSpPr>
+        <p:spPr>
+          <a:xfrm>
+            <a:off x="3621849" y="1692579"/>
+            <a:ext cx="1338828" cy="369332"/>
+          </a:xfrm>
+          <a:prstGeom prst="rect">
+            <a:avLst/>
+          </a:prstGeom>
+          <a:noFill/>
+        </p:spPr>
+        <p:txBody>
+          <a:bodyPr wrap="none" rtlCol="0">
+            <a:spAutoFit/>
+          </a:bodyPr>
+          <a:lstStyle/>
+          <a:p>
+            <a:r>
+              <a:rPr kumimoji="1" lang="ja-JP" altLang="en-US" dirty="0"/>
+              <a:t>ユーザ認証</a:t>
+            </a:r>
+          </a:p>
+        </p:txBody>
+      </p:sp>
+      <p:sp>
+        <p:nvSpPr>
+          <p:cNvPr id="77" name="テキスト ボックス 76">
+            <a:extLst>
+              <a:ext uri="{FF2B5EF4-FFF2-40B4-BE49-F238E27FC236}">
+                <a16:creationId xmlns:a16="http://schemas.microsoft.com/office/drawing/2014/main" id="{7F353BCB-1CD3-43A6-A94F-BB1A9A8CB174}"/>
+              </a:ext>
+            </a:extLst>
+          </p:cNvPr>
+          <p:cNvSpPr txBox="1"/>
+          <p:nvPr/>
+        </p:nvSpPr>
+        <p:spPr>
+          <a:xfrm>
+            <a:off x="3383111" y="2383617"/>
+            <a:ext cx="1800493" cy="369332"/>
+          </a:xfrm>
+          <a:prstGeom prst="rect">
+            <a:avLst/>
+          </a:prstGeom>
+          <a:noFill/>
+        </p:spPr>
+        <p:txBody>
+          <a:bodyPr wrap="none" rtlCol="0">
+            <a:spAutoFit/>
+          </a:bodyPr>
+          <a:lstStyle/>
+          <a:p>
+            <a:r>
+              <a:rPr kumimoji="1" lang="ja-JP" altLang="en-US" dirty="0"/>
+              <a:t>認証結果を返す</a:t>
+            </a:r>
+          </a:p>
+        </p:txBody>
+      </p:sp>
+      <p:sp>
+        <p:nvSpPr>
+          <p:cNvPr id="79" name="テキスト ボックス 78">
+            <a:extLst>
+              <a:ext uri="{FF2B5EF4-FFF2-40B4-BE49-F238E27FC236}">
+                <a16:creationId xmlns:a16="http://schemas.microsoft.com/office/drawing/2014/main" id="{55F5C654-1ABB-468A-9D42-4AC032B27E0D}"/>
+              </a:ext>
+            </a:extLst>
+          </p:cNvPr>
+          <p:cNvSpPr txBox="1"/>
+          <p:nvPr/>
+        </p:nvSpPr>
+        <p:spPr>
+          <a:xfrm>
+            <a:off x="6224336" y="1804626"/>
+            <a:ext cx="1338828" cy="369332"/>
+          </a:xfrm>
+          <a:prstGeom prst="rect">
+            <a:avLst/>
+          </a:prstGeom>
+          <a:noFill/>
+        </p:spPr>
+        <p:txBody>
+          <a:bodyPr wrap="none" rtlCol="0">
+            <a:spAutoFit/>
+          </a:bodyPr>
+          <a:lstStyle/>
+          <a:p>
+            <a:r>
+              <a:rPr kumimoji="1" lang="ja-JP" altLang="en-US" dirty="0"/>
+              <a:t>データ抽出</a:t>
+            </a:r>
+          </a:p>
+        </p:txBody>
+      </p:sp>
+      <p:sp>
+        <p:nvSpPr>
+          <p:cNvPr id="81" name="テキスト ボックス 80">
+            <a:extLst>
+              <a:ext uri="{FF2B5EF4-FFF2-40B4-BE49-F238E27FC236}">
+                <a16:creationId xmlns:a16="http://schemas.microsoft.com/office/drawing/2014/main" id="{011DF8E1-F0E9-40F8-8AC1-D57A16BA2C31}"/>
+              </a:ext>
+            </a:extLst>
+          </p:cNvPr>
+          <p:cNvSpPr txBox="1"/>
+          <p:nvPr/>
+        </p:nvSpPr>
+        <p:spPr>
+          <a:xfrm>
+            <a:off x="6104703" y="2173958"/>
+            <a:ext cx="1569660" cy="369332"/>
+          </a:xfrm>
+          <a:prstGeom prst="rect">
+            <a:avLst/>
+          </a:prstGeom>
+          <a:noFill/>
+        </p:spPr>
+        <p:txBody>
+          <a:bodyPr wrap="none" rtlCol="0">
+            <a:spAutoFit/>
+          </a:bodyPr>
+          <a:lstStyle/>
+          <a:p>
+            <a:r>
+              <a:rPr kumimoji="1" lang="ja-JP" altLang="en-US" dirty="0"/>
+              <a:t>データを返す</a:t>
+            </a:r>
+          </a:p>
+        </p:txBody>
+      </p:sp>
+      <p:sp>
+        <p:nvSpPr>
+          <p:cNvPr id="83" name="テキスト ボックス 82">
+            <a:extLst>
+              <a:ext uri="{FF2B5EF4-FFF2-40B4-BE49-F238E27FC236}">
+                <a16:creationId xmlns:a16="http://schemas.microsoft.com/office/drawing/2014/main" id="{BFFBBC9E-B0B5-465C-A555-47F0FB4FC3A1}"/>
+              </a:ext>
+            </a:extLst>
+          </p:cNvPr>
+          <p:cNvSpPr txBox="1"/>
+          <p:nvPr/>
+        </p:nvSpPr>
+        <p:spPr>
+          <a:xfrm>
+            <a:off x="5634104" y="2898472"/>
+            <a:ext cx="2723823" cy="369332"/>
+          </a:xfrm>
+          <a:prstGeom prst="rect">
+            <a:avLst/>
+          </a:prstGeom>
+          <a:noFill/>
+        </p:spPr>
+        <p:txBody>
+          <a:bodyPr wrap="none" rtlCol="0">
+            <a:spAutoFit/>
+          </a:bodyPr>
+          <a:lstStyle/>
+          <a:p>
+            <a:r>
+              <a:rPr kumimoji="1" lang="ja-JP" altLang="en-US" dirty="0"/>
+              <a:t>ホームページ画面へ遷移</a:t>
+            </a:r>
+          </a:p>
+        </p:txBody>
+      </p:sp>
+      <p:sp>
+        <p:nvSpPr>
+          <p:cNvPr id="86" name="テキスト ボックス 85">
+            <a:extLst>
+              <a:ext uri="{FF2B5EF4-FFF2-40B4-BE49-F238E27FC236}">
+                <a16:creationId xmlns:a16="http://schemas.microsoft.com/office/drawing/2014/main" id="{3D116937-B1C1-43D1-869C-E95FE603F7D7}"/>
+              </a:ext>
+            </a:extLst>
+          </p:cNvPr>
+          <p:cNvSpPr txBox="1"/>
+          <p:nvPr/>
+        </p:nvSpPr>
+        <p:spPr>
+          <a:xfrm>
+            <a:off x="10389378" y="6347644"/>
+            <a:ext cx="697627" cy="707886"/>
+          </a:xfrm>
+          <a:prstGeom prst="rect">
+            <a:avLst/>
+          </a:prstGeom>
+          <a:noFill/>
+        </p:spPr>
+        <p:txBody>
+          <a:bodyPr wrap="none" rtlCol="0">
+            <a:spAutoFit/>
+          </a:bodyPr>
+          <a:lstStyle/>
+          <a:p>
+            <a:r>
+              <a:rPr lang="en-US" altLang="ja-JP" sz="4000" dirty="0"/>
+              <a:t>×</a:t>
+            </a:r>
+            <a:endParaRPr kumimoji="1" lang="ja-JP" altLang="en-US" sz="4000" dirty="0"/>
+          </a:p>
+        </p:txBody>
+      </p:sp>
+    </p:spTree>
+    <p:extLst>
+      <p:ext uri="{BB962C8B-B14F-4D97-AF65-F5344CB8AC3E}">
+        <p14:creationId xmlns:p14="http://schemas.microsoft.com/office/powerpoint/2010/main" val="489640076"/>
+      </p:ext>
+    </p:extLst>
+  </p:cSld>
+  <p:clrMapOvr>
+    <a:masterClrMapping/>
+  </p:clrMapOvr>
+</p:sld>
+</file>
+
+<file path=ppt/slides/slide7.xml><?xml version="1.0" encoding="utf-8"?>
+<p:sld xmlns:a="http://schemas.openxmlformats.org/drawingml/2006/main" xmlns:r="http://schemas.openxmlformats.org/officeDocument/2006/relationships" xmlns:p="http://schemas.openxmlformats.org/presentationml/2006/main">
+  <p:cSld>
+    <p:spTree>
+      <p:nvGrpSpPr>
+        <p:cNvPr id="1" name=""/>
+        <p:cNvGrpSpPr/>
+        <p:nvPr/>
+      </p:nvGrpSpPr>
+      <p:grpSpPr>
+        <a:xfrm>
+          <a:off x="0" y="0"/>
+          <a:ext cx="0" cy="0"/>
+          <a:chOff x="0" y="0"/>
+          <a:chExt cx="0" cy="0"/>
+        </a:xfrm>
+      </p:grpSpPr>
+      <p:sp>
+        <p:nvSpPr>
+          <p:cNvPr id="78" name="フローチャート: 結合子 77">
+            <a:extLst>
+              <a:ext uri="{FF2B5EF4-FFF2-40B4-BE49-F238E27FC236}">
+                <a16:creationId xmlns:a16="http://schemas.microsoft.com/office/drawing/2014/main" id="{330D369F-0225-4258-B571-AC1D79187D4A}"/>
+              </a:ext>
+            </a:extLst>
+          </p:cNvPr>
+          <p:cNvSpPr/>
+          <p:nvPr/>
+        </p:nvSpPr>
+        <p:spPr>
+          <a:xfrm>
+            <a:off x="7346675" y="3060027"/>
+            <a:ext cx="677515" cy="680059"/>
+          </a:xfrm>
+          <a:prstGeom prst="flowChartConnector">
+            <a:avLst/>
+          </a:prstGeom>
+        </p:spPr>
+        <p:style>
+          <a:lnRef idx="2">
+            <a:schemeClr val="dk1"/>
+          </a:lnRef>
+          <a:fillRef idx="1">
+            <a:schemeClr val="lt1"/>
+          </a:fillRef>
+          <a:effectRef idx="0">
+            <a:schemeClr val="dk1"/>
+          </a:effectRef>
+          <a:fontRef idx="minor">
+            <a:schemeClr val="dk1"/>
+          </a:fontRef>
+        </p:style>
+        <p:txBody>
+          <a:bodyPr rtlCol="0" anchor="ctr"/>
+          <a:lstStyle/>
+          <a:p>
+            <a:pPr algn="ctr"/>
+            <a:endParaRPr kumimoji="1" lang="ja-JP" altLang="en-US"/>
+          </a:p>
+        </p:txBody>
+      </p:sp>
+      <p:sp>
+        <p:nvSpPr>
+          <p:cNvPr id="2" name="楕円 1">
+            <a:extLst>
+              <a:ext uri="{FF2B5EF4-FFF2-40B4-BE49-F238E27FC236}">
+                <a16:creationId xmlns:a16="http://schemas.microsoft.com/office/drawing/2014/main" id="{D4AFBB49-D624-4519-85B7-54EBFE52BC14}"/>
+              </a:ext>
+            </a:extLst>
+          </p:cNvPr>
+          <p:cNvSpPr/>
+          <p:nvPr/>
+        </p:nvSpPr>
+        <p:spPr>
+          <a:xfrm>
+            <a:off x="237851" y="1491915"/>
+            <a:ext cx="513347" cy="513347"/>
+          </a:xfrm>
+          <a:prstGeom prst="ellipse">
+            <a:avLst/>
+          </a:prstGeom>
+        </p:spPr>
+        <p:style>
+          <a:lnRef idx="2">
+            <a:schemeClr val="dk1">
+              <a:shade val="50000"/>
+            </a:schemeClr>
+          </a:lnRef>
+          <a:fillRef idx="1">
+            <a:schemeClr val="dk1"/>
+          </a:fillRef>
+          <a:effectRef idx="0">
+            <a:schemeClr val="dk1"/>
+          </a:effectRef>
+          <a:fontRef idx="minor">
+            <a:schemeClr val="lt1"/>
+          </a:fontRef>
+        </p:style>
+        <p:txBody>
+          <a:bodyPr rtlCol="0" anchor="ctr"/>
+          <a:lstStyle/>
+          <a:p>
+            <a:pPr algn="ctr"/>
+            <a:endParaRPr kumimoji="1" lang="ja-JP" altLang="en-US"/>
+          </a:p>
+        </p:txBody>
+      </p:sp>
+      <p:sp>
+        <p:nvSpPr>
+          <p:cNvPr id="3" name="四角形: 角を丸くする 2">
+            <a:extLst>
+              <a:ext uri="{FF2B5EF4-FFF2-40B4-BE49-F238E27FC236}">
+                <a16:creationId xmlns:a16="http://schemas.microsoft.com/office/drawing/2014/main" id="{BB62C45C-1F25-4484-B716-074C998F123D}"/>
+              </a:ext>
+            </a:extLst>
+          </p:cNvPr>
+          <p:cNvSpPr/>
+          <p:nvPr/>
+        </p:nvSpPr>
+        <p:spPr>
+          <a:xfrm>
+            <a:off x="1107843" y="1491914"/>
+            <a:ext cx="1555617" cy="513348"/>
+          </a:xfrm>
+          <a:prstGeom prst="roundRect">
+            <a:avLst/>
+          </a:prstGeom>
+        </p:spPr>
+        <p:style>
+          <a:lnRef idx="2">
+            <a:schemeClr val="dk1"/>
+          </a:lnRef>
+          <a:fillRef idx="1">
+            <a:schemeClr val="lt1"/>
+          </a:fillRef>
+          <a:effectRef idx="0">
+            <a:schemeClr val="dk1"/>
+          </a:effectRef>
+          <a:fontRef idx="minor">
+            <a:schemeClr val="dk1"/>
+          </a:fontRef>
+        </p:style>
+        <p:txBody>
+          <a:bodyPr rtlCol="0" anchor="ctr"/>
+          <a:lstStyle/>
+          <a:p>
+            <a:pPr algn="ctr"/>
+            <a:r>
+              <a:rPr kumimoji="1" lang="ja-JP" altLang="en-US" sz="1200" dirty="0">
+                <a:solidFill>
+                  <a:sysClr val="windowText" lastClr="000000"/>
+                </a:solidFill>
+              </a:rPr>
+              <a:t>ユーザがログインボタンをクリック</a:t>
+            </a:r>
+          </a:p>
+        </p:txBody>
+      </p:sp>
+      <p:sp>
+        <p:nvSpPr>
+          <p:cNvPr id="7" name="四角形: 角を丸くする 6">
+            <a:extLst>
+              <a:ext uri="{FF2B5EF4-FFF2-40B4-BE49-F238E27FC236}">
+                <a16:creationId xmlns:a16="http://schemas.microsoft.com/office/drawing/2014/main" id="{CE483104-EFFF-40C8-ADC4-B0C54326D9C9}"/>
+              </a:ext>
+            </a:extLst>
+          </p:cNvPr>
+          <p:cNvSpPr/>
+          <p:nvPr/>
+        </p:nvSpPr>
+        <p:spPr>
+          <a:xfrm>
+            <a:off x="4736369" y="3140242"/>
+            <a:ext cx="1725697" cy="513347"/>
+          </a:xfrm>
+          <a:prstGeom prst="roundRect">
+            <a:avLst/>
+          </a:prstGeom>
+        </p:spPr>
+        <p:style>
+          <a:lnRef idx="2">
+            <a:schemeClr val="dk1"/>
+          </a:lnRef>
+          <a:fillRef idx="1">
+            <a:schemeClr val="lt1"/>
+          </a:fillRef>
+          <a:effectRef idx="0">
+            <a:schemeClr val="dk1"/>
+          </a:effectRef>
+          <a:fontRef idx="minor">
+            <a:schemeClr val="dk1"/>
+          </a:fontRef>
+        </p:style>
+        <p:txBody>
+          <a:bodyPr rtlCol="0" anchor="ctr"/>
+          <a:lstStyle/>
+          <a:p>
+            <a:pPr algn="ctr"/>
+            <a:r>
+              <a:rPr kumimoji="1" lang="ja-JP" altLang="en-US" dirty="0">
+                <a:solidFill>
+                  <a:schemeClr val="tx1"/>
+                </a:solidFill>
+              </a:rPr>
+              <a:t>ホームページへ遷移</a:t>
+            </a:r>
+          </a:p>
+        </p:txBody>
+      </p:sp>
+      <p:sp>
+        <p:nvSpPr>
+          <p:cNvPr id="8" name="矢印: 五方向 7">
+            <a:extLst>
+              <a:ext uri="{FF2B5EF4-FFF2-40B4-BE49-F238E27FC236}">
+                <a16:creationId xmlns:a16="http://schemas.microsoft.com/office/drawing/2014/main" id="{20F9FDD2-0D44-4598-B84A-AF3A098E62CE}"/>
+              </a:ext>
+            </a:extLst>
+          </p:cNvPr>
+          <p:cNvSpPr/>
+          <p:nvPr/>
+        </p:nvSpPr>
+        <p:spPr>
+          <a:xfrm>
+            <a:off x="3106369" y="1491914"/>
+            <a:ext cx="1476652" cy="513348"/>
+          </a:xfrm>
+          <a:prstGeom prst="homePlate">
+            <a:avLst/>
+          </a:prstGeom>
+        </p:spPr>
+        <p:style>
+          <a:lnRef idx="2">
+            <a:schemeClr val="dk1"/>
+          </a:lnRef>
+          <a:fillRef idx="1">
+            <a:schemeClr val="lt1"/>
+          </a:fillRef>
+          <a:effectRef idx="0">
+            <a:schemeClr val="dk1"/>
+          </a:effectRef>
+          <a:fontRef idx="minor">
+            <a:schemeClr val="dk1"/>
+          </a:fontRef>
+        </p:style>
+        <p:txBody>
+          <a:bodyPr rtlCol="0" anchor="ctr"/>
+          <a:lstStyle/>
+          <a:p>
+            <a:pPr algn="ctr"/>
+            <a:r>
+              <a:rPr kumimoji="1" lang="ja-JP" altLang="en-US" sz="1200" dirty="0">
+                <a:solidFill>
+                  <a:sysClr val="windowText" lastClr="000000"/>
+                </a:solidFill>
+              </a:rPr>
+              <a:t>メールアドレスとパスワードを送信</a:t>
+            </a:r>
+          </a:p>
+        </p:txBody>
+      </p:sp>
+      <p:sp>
+        <p:nvSpPr>
+          <p:cNvPr id="10" name="矢印: 五方向 9">
+            <a:extLst>
+              <a:ext uri="{FF2B5EF4-FFF2-40B4-BE49-F238E27FC236}">
+                <a16:creationId xmlns:a16="http://schemas.microsoft.com/office/drawing/2014/main" id="{7DF7E0A8-2B8C-4138-9E65-D922370304C1}"/>
+              </a:ext>
+            </a:extLst>
+          </p:cNvPr>
+          <p:cNvSpPr/>
+          <p:nvPr/>
+        </p:nvSpPr>
+        <p:spPr>
+          <a:xfrm>
+            <a:off x="9921157" y="1491911"/>
+            <a:ext cx="1432966" cy="513349"/>
+          </a:xfrm>
+          <a:prstGeom prst="homePlate">
+            <a:avLst/>
+          </a:prstGeom>
+        </p:spPr>
+        <p:style>
+          <a:lnRef idx="2">
+            <a:schemeClr val="dk1"/>
+          </a:lnRef>
+          <a:fillRef idx="1">
+            <a:schemeClr val="lt1"/>
+          </a:fillRef>
+          <a:effectRef idx="0">
+            <a:schemeClr val="dk1"/>
+          </a:effectRef>
+          <a:fontRef idx="minor">
+            <a:schemeClr val="dk1"/>
+          </a:fontRef>
+        </p:style>
+        <p:txBody>
+          <a:bodyPr rtlCol="0" anchor="ctr"/>
+          <a:lstStyle/>
+          <a:p>
+            <a:pPr algn="ctr"/>
+            <a:r>
+              <a:rPr kumimoji="1" lang="ja-JP" altLang="en-US" sz="1200" dirty="0">
+                <a:solidFill>
+                  <a:sysClr val="windowText" lastClr="000000"/>
+                </a:solidFill>
+              </a:rPr>
+              <a:t>照会結果を送信</a:t>
+            </a:r>
+          </a:p>
+        </p:txBody>
+      </p:sp>
+      <p:sp>
+        <p:nvSpPr>
+          <p:cNvPr id="14" name="矢印: 五方向 13">
+            <a:extLst>
+              <a:ext uri="{FF2B5EF4-FFF2-40B4-BE49-F238E27FC236}">
+                <a16:creationId xmlns:a16="http://schemas.microsoft.com/office/drawing/2014/main" id="{11570D25-9951-4393-8872-116D43C82FE0}"/>
+              </a:ext>
+            </a:extLst>
+          </p:cNvPr>
+          <p:cNvSpPr/>
+          <p:nvPr/>
+        </p:nvSpPr>
+        <p:spPr>
+          <a:xfrm>
+            <a:off x="6188629" y="1491912"/>
+            <a:ext cx="1881833" cy="513348"/>
+          </a:xfrm>
+          <a:prstGeom prst="homePlate">
+            <a:avLst/>
+          </a:prstGeom>
+        </p:spPr>
+        <p:style>
+          <a:lnRef idx="2">
+            <a:schemeClr val="dk1"/>
+          </a:lnRef>
+          <a:fillRef idx="1">
+            <a:schemeClr val="lt1"/>
+          </a:fillRef>
+          <a:effectRef idx="0">
+            <a:schemeClr val="dk1"/>
+          </a:effectRef>
+          <a:fontRef idx="minor">
+            <a:schemeClr val="dk1"/>
+          </a:fontRef>
+        </p:style>
+        <p:txBody>
+          <a:bodyPr rtlCol="0" anchor="ctr"/>
+          <a:lstStyle/>
+          <a:p>
+            <a:pPr algn="ctr"/>
+            <a:r>
+              <a:rPr kumimoji="1" lang="ja-JP" altLang="en-US" sz="1200" dirty="0">
+                <a:solidFill>
+                  <a:sysClr val="windowText" lastClr="000000"/>
+                </a:solidFill>
+              </a:rPr>
+              <a:t>メールアドレスとパスワードでデータを照会</a:t>
+            </a:r>
+          </a:p>
+        </p:txBody>
+      </p:sp>
+      <p:sp>
+        <p:nvSpPr>
+          <p:cNvPr id="15" name="正方形/長方形 14">
+            <a:extLst>
+              <a:ext uri="{FF2B5EF4-FFF2-40B4-BE49-F238E27FC236}">
+                <a16:creationId xmlns:a16="http://schemas.microsoft.com/office/drawing/2014/main" id="{053C1269-2A6E-40A9-B4F4-E12E0006DFAF}"/>
+              </a:ext>
+            </a:extLst>
+          </p:cNvPr>
+          <p:cNvSpPr/>
+          <p:nvPr/>
+        </p:nvSpPr>
+        <p:spPr>
+          <a:xfrm>
+            <a:off x="8457221" y="1491912"/>
+            <a:ext cx="1027785" cy="513348"/>
+          </a:xfrm>
+          <a:prstGeom prst="rect">
+            <a:avLst/>
+          </a:prstGeom>
+        </p:spPr>
+        <p:style>
+          <a:lnRef idx="2">
+            <a:schemeClr val="dk1"/>
+          </a:lnRef>
+          <a:fillRef idx="1">
+            <a:schemeClr val="lt1"/>
+          </a:fillRef>
+          <a:effectRef idx="0">
+            <a:schemeClr val="dk1"/>
+          </a:effectRef>
+          <a:fontRef idx="minor">
+            <a:schemeClr val="dk1"/>
+          </a:fontRef>
+        </p:style>
+        <p:txBody>
+          <a:bodyPr rtlCol="0" anchor="ctr"/>
+          <a:lstStyle/>
+          <a:p>
+            <a:pPr algn="ctr"/>
+            <a:r>
+              <a:rPr kumimoji="1" lang="en-US" altLang="ja-JP" dirty="0">
+                <a:ln w="0"/>
+                <a:solidFill>
+                  <a:schemeClr val="tx1"/>
+                </a:solidFill>
+                <a:effectLst>
+                  <a:outerShdw blurRad="38100" dist="19050" dir="2700000" algn="tl" rotWithShape="0">
+                    <a:schemeClr val="dk1">
+                      <a:alpha val="40000"/>
+                    </a:schemeClr>
+                  </a:outerShdw>
+                </a:effectLst>
+              </a:rPr>
+              <a:t>MySQL</a:t>
+            </a:r>
+            <a:endParaRPr kumimoji="1" lang="ja-JP" altLang="en-US" dirty="0">
+              <a:ln w="0"/>
+              <a:solidFill>
+                <a:schemeClr val="tx1"/>
+              </a:solidFill>
+              <a:effectLst>
+                <a:outerShdw blurRad="38100" dist="19050" dir="2700000" algn="tl" rotWithShape="0">
+                  <a:schemeClr val="dk1">
+                    <a:alpha val="40000"/>
+                  </a:schemeClr>
+                </a:outerShdw>
+              </a:effectLst>
+            </a:endParaRPr>
+          </a:p>
+        </p:txBody>
+      </p:sp>
+      <p:sp>
+        <p:nvSpPr>
+          <p:cNvPr id="17" name="正方形/長方形 16">
+            <a:extLst>
+              <a:ext uri="{FF2B5EF4-FFF2-40B4-BE49-F238E27FC236}">
+                <a16:creationId xmlns:a16="http://schemas.microsoft.com/office/drawing/2014/main" id="{E7C4F3A0-B84B-46CE-9E63-02F863A0B519}"/>
+              </a:ext>
+            </a:extLst>
+          </p:cNvPr>
+          <p:cNvSpPr/>
+          <p:nvPr/>
+        </p:nvSpPr>
+        <p:spPr>
+          <a:xfrm>
+            <a:off x="4810900" y="1491915"/>
+            <a:ext cx="1065516" cy="513347"/>
+          </a:xfrm>
+          <a:prstGeom prst="rect">
+            <a:avLst/>
+          </a:prstGeom>
+        </p:spPr>
+        <p:style>
+          <a:lnRef idx="2">
+            <a:schemeClr val="dk1"/>
+          </a:lnRef>
+          <a:fillRef idx="1">
+            <a:schemeClr val="lt1"/>
+          </a:fillRef>
+          <a:effectRef idx="0">
+            <a:schemeClr val="dk1"/>
+          </a:effectRef>
+          <a:fontRef idx="minor">
+            <a:schemeClr val="dk1"/>
+          </a:fontRef>
+        </p:style>
+        <p:txBody>
+          <a:bodyPr rtlCol="0" anchor="ctr"/>
+          <a:lstStyle/>
+          <a:p>
+            <a:pPr algn="ctr"/>
+            <a:r>
+              <a:rPr kumimoji="1" lang="en-US" altLang="ja-JP">
+                <a:ln w="0"/>
+                <a:solidFill>
+                  <a:schemeClr val="tx1"/>
+                </a:solidFill>
+                <a:effectLst>
+                  <a:outerShdw blurRad="38100" dist="19050" dir="2700000" algn="tl" rotWithShape="0">
+                    <a:schemeClr val="dk1">
+                      <a:alpha val="40000"/>
+                    </a:schemeClr>
+                  </a:outerShdw>
+                </a:effectLst>
+              </a:rPr>
+              <a:t>Django</a:t>
+            </a:r>
+            <a:r>
+              <a:rPr kumimoji="1" lang="ja-JP" altLang="en-US" dirty="0">
+                <a:ln w="0"/>
+                <a:solidFill>
+                  <a:schemeClr val="tx1"/>
+                </a:solidFill>
+                <a:effectLst>
+                  <a:outerShdw blurRad="38100" dist="19050" dir="2700000" algn="tl" rotWithShape="0">
+                    <a:schemeClr val="dk1">
+                      <a:alpha val="40000"/>
+                    </a:schemeClr>
+                  </a:outerShdw>
+                </a:effectLst>
+              </a:rPr>
+              <a:t> </a:t>
+            </a:r>
+          </a:p>
+        </p:txBody>
+      </p:sp>
+      <p:sp>
+        <p:nvSpPr>
+          <p:cNvPr id="19" name="正方形/長方形 18">
+            <a:extLst>
+              <a:ext uri="{FF2B5EF4-FFF2-40B4-BE49-F238E27FC236}">
+                <a16:creationId xmlns:a16="http://schemas.microsoft.com/office/drawing/2014/main" id="{CDE61937-766F-43F2-BDA3-BAE42415906B}"/>
+              </a:ext>
+            </a:extLst>
+          </p:cNvPr>
+          <p:cNvSpPr/>
+          <p:nvPr/>
+        </p:nvSpPr>
+        <p:spPr>
+          <a:xfrm>
+            <a:off x="1352893" y="3140242"/>
+            <a:ext cx="1065516" cy="513347"/>
+          </a:xfrm>
+          <a:prstGeom prst="rect">
+            <a:avLst/>
+          </a:prstGeom>
+        </p:spPr>
+        <p:style>
+          <a:lnRef idx="2">
+            <a:schemeClr val="dk1"/>
+          </a:lnRef>
+          <a:fillRef idx="1">
+            <a:schemeClr val="lt1"/>
+          </a:fillRef>
+          <a:effectRef idx="0">
+            <a:schemeClr val="dk1"/>
+          </a:effectRef>
+          <a:fontRef idx="minor">
+            <a:schemeClr val="dk1"/>
+          </a:fontRef>
+        </p:style>
+        <p:txBody>
+          <a:bodyPr rtlCol="0" anchor="ctr"/>
+          <a:lstStyle/>
+          <a:p>
+            <a:pPr algn="ctr"/>
+            <a:r>
+              <a:rPr kumimoji="1" lang="en-US" altLang="ja-JP" dirty="0">
+                <a:ln w="0"/>
+                <a:solidFill>
+                  <a:schemeClr val="tx1"/>
+                </a:solidFill>
+                <a:effectLst>
+                  <a:outerShdw blurRad="38100" dist="19050" dir="2700000" algn="tl" rotWithShape="0">
+                    <a:schemeClr val="dk1">
+                      <a:alpha val="40000"/>
+                    </a:schemeClr>
+                  </a:outerShdw>
+                </a:effectLst>
+              </a:rPr>
+              <a:t>Vue</a:t>
+            </a:r>
+            <a:r>
+              <a:rPr kumimoji="1" lang="ja-JP" altLang="en-US" dirty="0">
+                <a:ln w="0"/>
+                <a:solidFill>
+                  <a:schemeClr val="tx1"/>
+                </a:solidFill>
+                <a:effectLst>
+                  <a:outerShdw blurRad="38100" dist="19050" dir="2700000" algn="tl" rotWithShape="0">
+                    <a:schemeClr val="dk1">
+                      <a:alpha val="40000"/>
+                    </a:schemeClr>
+                  </a:outerShdw>
+                </a:effectLst>
+              </a:rPr>
+              <a:t> </a:t>
+            </a:r>
+          </a:p>
+        </p:txBody>
+      </p:sp>
+      <p:sp>
+        <p:nvSpPr>
+          <p:cNvPr id="20" name="ひし形 19">
+            <a:extLst>
+              <a:ext uri="{FF2B5EF4-FFF2-40B4-BE49-F238E27FC236}">
+                <a16:creationId xmlns:a16="http://schemas.microsoft.com/office/drawing/2014/main" id="{AECFED47-9A4A-4226-91B4-819C19C931A5}"/>
+              </a:ext>
+            </a:extLst>
+          </p:cNvPr>
+          <p:cNvSpPr/>
+          <p:nvPr/>
+        </p:nvSpPr>
+        <p:spPr>
+          <a:xfrm>
+            <a:off x="3240504" y="3140242"/>
+            <a:ext cx="609600" cy="513347"/>
+          </a:xfrm>
+          <a:prstGeom prst="diamond">
+            <a:avLst/>
+          </a:prstGeom>
+        </p:spPr>
+        <p:style>
+          <a:lnRef idx="2">
+            <a:schemeClr val="dk1"/>
+          </a:lnRef>
+          <a:fillRef idx="1">
+            <a:schemeClr val="lt1"/>
+          </a:fillRef>
+          <a:effectRef idx="0">
+            <a:schemeClr val="dk1"/>
+          </a:effectRef>
+          <a:fontRef idx="minor">
+            <a:schemeClr val="dk1"/>
+          </a:fontRef>
+        </p:style>
+        <p:txBody>
+          <a:bodyPr rtlCol="0" anchor="ctr"/>
+          <a:lstStyle/>
+          <a:p>
+            <a:pPr algn="ctr"/>
+            <a:endParaRPr kumimoji="1" lang="ja-JP" altLang="en-US"/>
+          </a:p>
+        </p:txBody>
+      </p:sp>
+      <p:sp>
+        <p:nvSpPr>
+          <p:cNvPr id="22" name="四角形: 角を丸くする 21">
+            <a:extLst>
+              <a:ext uri="{FF2B5EF4-FFF2-40B4-BE49-F238E27FC236}">
+                <a16:creationId xmlns:a16="http://schemas.microsoft.com/office/drawing/2014/main" id="{131F3EEF-D337-4EAC-999D-3BEFF0686141}"/>
+              </a:ext>
+            </a:extLst>
+          </p:cNvPr>
+          <p:cNvSpPr/>
+          <p:nvPr/>
+        </p:nvSpPr>
+        <p:spPr>
+          <a:xfrm>
+            <a:off x="4764830" y="4275222"/>
+            <a:ext cx="1725697" cy="513347"/>
+          </a:xfrm>
+          <a:prstGeom prst="roundRect">
+            <a:avLst/>
+          </a:prstGeom>
+        </p:spPr>
+        <p:style>
+          <a:lnRef idx="2">
+            <a:schemeClr val="dk1"/>
+          </a:lnRef>
+          <a:fillRef idx="1">
+            <a:schemeClr val="lt1"/>
+          </a:fillRef>
+          <a:effectRef idx="0">
+            <a:schemeClr val="dk1"/>
+          </a:effectRef>
+          <a:fontRef idx="minor">
+            <a:schemeClr val="dk1"/>
+          </a:fontRef>
+        </p:style>
+        <p:txBody>
+          <a:bodyPr rtlCol="0" anchor="ctr"/>
+          <a:lstStyle/>
+          <a:p>
+            <a:pPr algn="ctr"/>
+            <a:r>
+              <a:rPr kumimoji="1" lang="ja-JP" altLang="en-US" dirty="0">
+                <a:solidFill>
+                  <a:schemeClr val="tx1"/>
+                </a:solidFill>
+              </a:rPr>
+              <a:t>エラーを表示</a:t>
+            </a:r>
+          </a:p>
+        </p:txBody>
+      </p:sp>
+      <p:cxnSp>
+        <p:nvCxnSpPr>
+          <p:cNvPr id="24" name="直線矢印コネクタ 23">
+            <a:extLst>
+              <a:ext uri="{FF2B5EF4-FFF2-40B4-BE49-F238E27FC236}">
+                <a16:creationId xmlns:a16="http://schemas.microsoft.com/office/drawing/2014/main" id="{2EA6E100-EFD4-4535-90D0-5AAE6DED2A80}"/>
+              </a:ext>
+            </a:extLst>
+          </p:cNvPr>
+          <p:cNvCxnSpPr>
+            <a:cxnSpLocks/>
+            <a:stCxn id="2" idx="6"/>
+            <a:endCxn id="3" idx="1"/>
+          </p:cNvCxnSpPr>
+          <p:nvPr/>
+        </p:nvCxnSpPr>
+        <p:spPr>
+          <a:xfrm flipV="1">
+            <a:off x="751198" y="1748588"/>
+            <a:ext cx="356645" cy="1"/>
+          </a:xfrm>
+          <a:prstGeom prst="straightConnector1">
+            <a:avLst/>
+          </a:prstGeom>
+          <a:ln>
+            <a:tailEnd type="triangle"/>
+          </a:ln>
+        </p:spPr>
+        <p:style>
+          <a:lnRef idx="1">
+            <a:schemeClr val="dk1"/>
+          </a:lnRef>
+          <a:fillRef idx="0">
+            <a:schemeClr val="dk1"/>
+          </a:fillRef>
+          <a:effectRef idx="0">
+            <a:schemeClr val="dk1"/>
+          </a:effectRef>
+          <a:fontRef idx="minor">
+            <a:schemeClr val="tx1"/>
+          </a:fontRef>
+        </p:style>
+      </p:cxnSp>
+      <p:cxnSp>
+        <p:nvCxnSpPr>
+          <p:cNvPr id="26" name="直線矢印コネクタ 25">
+            <a:extLst>
+              <a:ext uri="{FF2B5EF4-FFF2-40B4-BE49-F238E27FC236}">
+                <a16:creationId xmlns:a16="http://schemas.microsoft.com/office/drawing/2014/main" id="{568F76FF-74DB-4E83-A0E2-BE665D2DFE33}"/>
+              </a:ext>
+            </a:extLst>
+          </p:cNvPr>
+          <p:cNvCxnSpPr>
+            <a:cxnSpLocks/>
+            <a:endCxn id="8" idx="1"/>
+          </p:cNvCxnSpPr>
+          <p:nvPr/>
+        </p:nvCxnSpPr>
+        <p:spPr>
+          <a:xfrm>
+            <a:off x="2667107" y="1748587"/>
+            <a:ext cx="439262" cy="1"/>
+          </a:xfrm>
+          <a:prstGeom prst="straightConnector1">
+            <a:avLst/>
+          </a:prstGeom>
+          <a:ln>
+            <a:tailEnd type="triangle"/>
+          </a:ln>
+        </p:spPr>
+        <p:style>
+          <a:lnRef idx="1">
+            <a:schemeClr val="dk1"/>
+          </a:lnRef>
+          <a:fillRef idx="0">
+            <a:schemeClr val="dk1"/>
+          </a:fillRef>
+          <a:effectRef idx="0">
+            <a:schemeClr val="dk1"/>
+          </a:effectRef>
+          <a:fontRef idx="minor">
+            <a:schemeClr val="tx1"/>
+          </a:fontRef>
+        </p:style>
+      </p:cxnSp>
+      <p:cxnSp>
+        <p:nvCxnSpPr>
+          <p:cNvPr id="28" name="直線矢印コネクタ 27">
+            <a:extLst>
+              <a:ext uri="{FF2B5EF4-FFF2-40B4-BE49-F238E27FC236}">
+                <a16:creationId xmlns:a16="http://schemas.microsoft.com/office/drawing/2014/main" id="{E8897B8D-4B94-4A19-A058-C9B83F53AB40}"/>
+              </a:ext>
+            </a:extLst>
+          </p:cNvPr>
+          <p:cNvCxnSpPr>
+            <a:cxnSpLocks/>
+            <a:endCxn id="17" idx="1"/>
+          </p:cNvCxnSpPr>
+          <p:nvPr/>
+        </p:nvCxnSpPr>
+        <p:spPr>
+          <a:xfrm>
+            <a:off x="4538589" y="1748587"/>
+            <a:ext cx="272311" cy="2"/>
+          </a:xfrm>
+          <a:prstGeom prst="straightConnector1">
+            <a:avLst/>
+          </a:prstGeom>
+          <a:ln>
+            <a:tailEnd type="triangle"/>
+          </a:ln>
+        </p:spPr>
+        <p:style>
+          <a:lnRef idx="1">
+            <a:schemeClr val="dk1"/>
+          </a:lnRef>
+          <a:fillRef idx="0">
+            <a:schemeClr val="dk1"/>
+          </a:fillRef>
+          <a:effectRef idx="0">
+            <a:schemeClr val="dk1"/>
+          </a:effectRef>
+          <a:fontRef idx="minor">
+            <a:schemeClr val="tx1"/>
+          </a:fontRef>
+        </p:style>
+      </p:cxnSp>
+      <p:cxnSp>
+        <p:nvCxnSpPr>
+          <p:cNvPr id="30" name="直線矢印コネクタ 29">
+            <a:extLst>
+              <a:ext uri="{FF2B5EF4-FFF2-40B4-BE49-F238E27FC236}">
+                <a16:creationId xmlns:a16="http://schemas.microsoft.com/office/drawing/2014/main" id="{17E7FC35-8080-4F58-B916-7DB98BBD9957}"/>
+              </a:ext>
+            </a:extLst>
+          </p:cNvPr>
+          <p:cNvCxnSpPr>
+            <a:cxnSpLocks/>
+            <a:endCxn id="14" idx="1"/>
+          </p:cNvCxnSpPr>
+          <p:nvPr/>
+        </p:nvCxnSpPr>
+        <p:spPr>
+          <a:xfrm flipV="1">
+            <a:off x="5876416" y="1748586"/>
+            <a:ext cx="312213" cy="2"/>
+          </a:xfrm>
+          <a:prstGeom prst="straightConnector1">
+            <a:avLst/>
+          </a:prstGeom>
+          <a:ln>
+            <a:tailEnd type="triangle"/>
+          </a:ln>
+        </p:spPr>
+        <p:style>
+          <a:lnRef idx="1">
+            <a:schemeClr val="dk1"/>
+          </a:lnRef>
+          <a:fillRef idx="0">
+            <a:schemeClr val="dk1"/>
+          </a:fillRef>
+          <a:effectRef idx="0">
+            <a:schemeClr val="dk1"/>
+          </a:effectRef>
+          <a:fontRef idx="minor">
+            <a:schemeClr val="tx1"/>
+          </a:fontRef>
+        </p:style>
+      </p:cxnSp>
+      <p:cxnSp>
+        <p:nvCxnSpPr>
+          <p:cNvPr id="32" name="直線矢印コネクタ 31">
+            <a:extLst>
+              <a:ext uri="{FF2B5EF4-FFF2-40B4-BE49-F238E27FC236}">
+                <a16:creationId xmlns:a16="http://schemas.microsoft.com/office/drawing/2014/main" id="{8645D8AD-BB57-41A1-804F-CB08A4CCAB05}"/>
+              </a:ext>
+            </a:extLst>
+          </p:cNvPr>
+          <p:cNvCxnSpPr>
+            <a:cxnSpLocks/>
+            <a:stCxn id="14" idx="3"/>
+          </p:cNvCxnSpPr>
+          <p:nvPr/>
+        </p:nvCxnSpPr>
+        <p:spPr>
+          <a:xfrm flipV="1">
+            <a:off x="8070462" y="1744572"/>
+            <a:ext cx="374043" cy="4014"/>
+          </a:xfrm>
+          <a:prstGeom prst="straightConnector1">
+            <a:avLst/>
+          </a:prstGeom>
+          <a:ln>
+            <a:tailEnd type="triangle"/>
+          </a:ln>
+        </p:spPr>
+        <p:style>
+          <a:lnRef idx="1">
+            <a:schemeClr val="dk1"/>
+          </a:lnRef>
+          <a:fillRef idx="0">
+            <a:schemeClr val="dk1"/>
+          </a:fillRef>
+          <a:effectRef idx="0">
+            <a:schemeClr val="dk1"/>
+          </a:effectRef>
+          <a:fontRef idx="minor">
+            <a:schemeClr val="tx1"/>
+          </a:fontRef>
+        </p:style>
+      </p:cxnSp>
+      <p:cxnSp>
+        <p:nvCxnSpPr>
+          <p:cNvPr id="34" name="直線矢印コネクタ 33">
+            <a:extLst>
+              <a:ext uri="{FF2B5EF4-FFF2-40B4-BE49-F238E27FC236}">
+                <a16:creationId xmlns:a16="http://schemas.microsoft.com/office/drawing/2014/main" id="{543FF9D3-4DF4-4637-8C61-C6E668BEE1B6}"/>
+              </a:ext>
+            </a:extLst>
+          </p:cNvPr>
+          <p:cNvCxnSpPr>
+            <a:cxnSpLocks/>
+            <a:endCxn id="10" idx="1"/>
+          </p:cNvCxnSpPr>
+          <p:nvPr/>
+        </p:nvCxnSpPr>
+        <p:spPr>
+          <a:xfrm flipV="1">
+            <a:off x="9501793" y="1748586"/>
+            <a:ext cx="419364" cy="12032"/>
+          </a:xfrm>
+          <a:prstGeom prst="straightConnector1">
+            <a:avLst/>
+          </a:prstGeom>
+          <a:ln>
+            <a:tailEnd type="triangle"/>
+          </a:ln>
+        </p:spPr>
+        <p:style>
+          <a:lnRef idx="1">
+            <a:schemeClr val="dk1"/>
+          </a:lnRef>
+          <a:fillRef idx="0">
+            <a:schemeClr val="dk1"/>
+          </a:fillRef>
+          <a:effectRef idx="0">
+            <a:schemeClr val="dk1"/>
+          </a:effectRef>
+          <a:fontRef idx="minor">
+            <a:schemeClr val="tx1"/>
+          </a:fontRef>
+        </p:style>
+      </p:cxnSp>
+      <p:cxnSp>
+        <p:nvCxnSpPr>
+          <p:cNvPr id="36" name="直線矢印コネクタ 35">
+            <a:extLst>
+              <a:ext uri="{FF2B5EF4-FFF2-40B4-BE49-F238E27FC236}">
+                <a16:creationId xmlns:a16="http://schemas.microsoft.com/office/drawing/2014/main" id="{56154945-FEF1-42DF-A659-B0EDD2C92856}"/>
+              </a:ext>
+            </a:extLst>
+          </p:cNvPr>
+          <p:cNvCxnSpPr>
+            <a:cxnSpLocks/>
+          </p:cNvCxnSpPr>
+          <p:nvPr/>
+        </p:nvCxnSpPr>
+        <p:spPr>
+          <a:xfrm>
+            <a:off x="663787" y="3429000"/>
+            <a:ext cx="689106" cy="1"/>
+          </a:xfrm>
+          <a:prstGeom prst="straightConnector1">
+            <a:avLst/>
+          </a:prstGeom>
+          <a:ln>
+            <a:tailEnd type="triangle"/>
+          </a:ln>
+        </p:spPr>
+        <p:style>
+          <a:lnRef idx="1">
+            <a:schemeClr val="dk1"/>
+          </a:lnRef>
+          <a:fillRef idx="0">
+            <a:schemeClr val="dk1"/>
+          </a:fillRef>
+          <a:effectRef idx="0">
+            <a:schemeClr val="dk1"/>
+          </a:effectRef>
+          <a:fontRef idx="minor">
+            <a:schemeClr val="tx1"/>
+          </a:fontRef>
+        </p:style>
+      </p:cxnSp>
+      <p:cxnSp>
+        <p:nvCxnSpPr>
+          <p:cNvPr id="38" name="直線矢印コネクタ 37">
+            <a:extLst>
+              <a:ext uri="{FF2B5EF4-FFF2-40B4-BE49-F238E27FC236}">
+                <a16:creationId xmlns:a16="http://schemas.microsoft.com/office/drawing/2014/main" id="{BC851ABE-98DC-418D-A94C-E1A0BA30E9CC}"/>
+              </a:ext>
+            </a:extLst>
+          </p:cNvPr>
+          <p:cNvCxnSpPr>
+            <a:cxnSpLocks/>
+            <a:stCxn id="19" idx="3"/>
+            <a:endCxn id="20" idx="1"/>
+          </p:cNvCxnSpPr>
+          <p:nvPr/>
+        </p:nvCxnSpPr>
+        <p:spPr>
+          <a:xfrm>
+            <a:off x="2418409" y="3396916"/>
+            <a:ext cx="822095" cy="0"/>
+          </a:xfrm>
+          <a:prstGeom prst="straightConnector1">
+            <a:avLst/>
+          </a:prstGeom>
+          <a:ln>
+            <a:tailEnd type="triangle"/>
+          </a:ln>
+        </p:spPr>
+        <p:style>
+          <a:lnRef idx="1">
+            <a:schemeClr val="dk1"/>
+          </a:lnRef>
+          <a:fillRef idx="0">
+            <a:schemeClr val="dk1"/>
+          </a:fillRef>
+          <a:effectRef idx="0">
+            <a:schemeClr val="dk1"/>
+          </a:effectRef>
+          <a:fontRef idx="minor">
+            <a:schemeClr val="tx1"/>
+          </a:fontRef>
+        </p:style>
+      </p:cxnSp>
+      <p:cxnSp>
+        <p:nvCxnSpPr>
+          <p:cNvPr id="40" name="直線矢印コネクタ 39">
+            <a:extLst>
+              <a:ext uri="{FF2B5EF4-FFF2-40B4-BE49-F238E27FC236}">
+                <a16:creationId xmlns:a16="http://schemas.microsoft.com/office/drawing/2014/main" id="{CC428AA7-EDBF-4A92-81C3-DBB3DF0667BE}"/>
+              </a:ext>
+            </a:extLst>
+          </p:cNvPr>
+          <p:cNvCxnSpPr>
+            <a:cxnSpLocks/>
+          </p:cNvCxnSpPr>
+          <p:nvPr/>
+        </p:nvCxnSpPr>
+        <p:spPr>
+          <a:xfrm>
+            <a:off x="3545304" y="4531895"/>
+            <a:ext cx="1219526" cy="0"/>
+          </a:xfrm>
+          <a:prstGeom prst="straightConnector1">
+            <a:avLst/>
+          </a:prstGeom>
+          <a:ln>
+            <a:tailEnd type="triangle"/>
+          </a:ln>
+        </p:spPr>
+        <p:style>
+          <a:lnRef idx="1">
+            <a:schemeClr val="dk1"/>
+          </a:lnRef>
+          <a:fillRef idx="0">
+            <a:schemeClr val="dk1"/>
+          </a:fillRef>
+          <a:effectRef idx="0">
+            <a:schemeClr val="dk1"/>
+          </a:effectRef>
+          <a:fontRef idx="minor">
+            <a:schemeClr val="tx1"/>
+          </a:fontRef>
+        </p:style>
+      </p:cxnSp>
+      <p:cxnSp>
+        <p:nvCxnSpPr>
+          <p:cNvPr id="43" name="直線矢印コネクタ 42">
+            <a:extLst>
+              <a:ext uri="{FF2B5EF4-FFF2-40B4-BE49-F238E27FC236}">
+                <a16:creationId xmlns:a16="http://schemas.microsoft.com/office/drawing/2014/main" id="{BDCDC49E-0D81-4EDE-80B9-B75962740D6F}"/>
+              </a:ext>
+            </a:extLst>
+          </p:cNvPr>
+          <p:cNvCxnSpPr>
+            <a:cxnSpLocks/>
+            <a:endCxn id="7" idx="1"/>
+          </p:cNvCxnSpPr>
+          <p:nvPr/>
+        </p:nvCxnSpPr>
+        <p:spPr>
+          <a:xfrm>
+            <a:off x="3869696" y="3396915"/>
+            <a:ext cx="866673" cy="1"/>
+          </a:xfrm>
+          <a:prstGeom prst="straightConnector1">
+            <a:avLst/>
+          </a:prstGeom>
+          <a:ln>
+            <a:tailEnd type="triangle"/>
+          </a:ln>
+        </p:spPr>
+        <p:style>
+          <a:lnRef idx="1">
+            <a:schemeClr val="dk1"/>
+          </a:lnRef>
+          <a:fillRef idx="0">
+            <a:schemeClr val="dk1"/>
+          </a:fillRef>
+          <a:effectRef idx="0">
+            <a:schemeClr val="dk1"/>
+          </a:effectRef>
+          <a:fontRef idx="minor">
+            <a:schemeClr val="tx1"/>
+          </a:fontRef>
+        </p:style>
+      </p:cxnSp>
+      <p:cxnSp>
+        <p:nvCxnSpPr>
+          <p:cNvPr id="47" name="直線コネクタ 46">
+            <a:extLst>
+              <a:ext uri="{FF2B5EF4-FFF2-40B4-BE49-F238E27FC236}">
+                <a16:creationId xmlns:a16="http://schemas.microsoft.com/office/drawing/2014/main" id="{79079E90-03D7-4CA9-B22A-95E5378FD737}"/>
+              </a:ext>
+            </a:extLst>
+          </p:cNvPr>
+          <p:cNvCxnSpPr>
+            <a:cxnSpLocks/>
+            <a:stCxn id="20" idx="2"/>
+          </p:cNvCxnSpPr>
+          <p:nvPr/>
+        </p:nvCxnSpPr>
+        <p:spPr>
+          <a:xfrm>
+            <a:off x="3545304" y="3653589"/>
+            <a:ext cx="0" cy="878306"/>
+          </a:xfrm>
+          <a:prstGeom prst="line">
+            <a:avLst/>
+          </a:prstGeom>
+        </p:spPr>
+        <p:style>
+          <a:lnRef idx="1">
+            <a:schemeClr val="dk1"/>
+          </a:lnRef>
+          <a:fillRef idx="0">
+            <a:schemeClr val="dk1"/>
+          </a:fillRef>
+          <a:effectRef idx="0">
+            <a:schemeClr val="dk1"/>
+          </a:effectRef>
+          <a:fontRef idx="minor">
+            <a:schemeClr val="tx1"/>
+          </a:fontRef>
+        </p:style>
+      </p:cxnSp>
+      <p:cxnSp>
+        <p:nvCxnSpPr>
+          <p:cNvPr id="51" name="コネクタ: カギ線 50">
+            <a:extLst>
+              <a:ext uri="{FF2B5EF4-FFF2-40B4-BE49-F238E27FC236}">
+                <a16:creationId xmlns:a16="http://schemas.microsoft.com/office/drawing/2014/main" id="{B53D87C3-3422-4CEB-A206-595282FBC828}"/>
+              </a:ext>
+            </a:extLst>
+          </p:cNvPr>
+          <p:cNvCxnSpPr>
+            <a:cxnSpLocks/>
+            <a:stCxn id="10" idx="3"/>
+          </p:cNvCxnSpPr>
+          <p:nvPr/>
+        </p:nvCxnSpPr>
+        <p:spPr>
+          <a:xfrm flipH="1">
+            <a:off x="671692" y="1748586"/>
+            <a:ext cx="10682431" cy="1058782"/>
+          </a:xfrm>
+          <a:prstGeom prst="bentConnector3">
+            <a:avLst>
+              <a:gd name="adj1" fmla="val -2140"/>
+            </a:avLst>
+          </a:prstGeom>
+        </p:spPr>
+        <p:style>
+          <a:lnRef idx="1">
+            <a:schemeClr val="dk1"/>
+          </a:lnRef>
+          <a:fillRef idx="0">
+            <a:schemeClr val="dk1"/>
+          </a:fillRef>
+          <a:effectRef idx="0">
+            <a:schemeClr val="dk1"/>
+          </a:effectRef>
+          <a:fontRef idx="minor">
+            <a:schemeClr val="tx1"/>
+          </a:fontRef>
+        </p:style>
+      </p:cxnSp>
+      <p:cxnSp>
+        <p:nvCxnSpPr>
+          <p:cNvPr id="62" name="直線コネクタ 61">
+            <a:extLst>
+              <a:ext uri="{FF2B5EF4-FFF2-40B4-BE49-F238E27FC236}">
+                <a16:creationId xmlns:a16="http://schemas.microsoft.com/office/drawing/2014/main" id="{6794F2AC-5B49-4878-912A-314CF8BFC5C0}"/>
+              </a:ext>
+            </a:extLst>
+          </p:cNvPr>
+          <p:cNvCxnSpPr>
+            <a:cxnSpLocks/>
+          </p:cNvCxnSpPr>
+          <p:nvPr/>
+        </p:nvCxnSpPr>
+        <p:spPr>
+          <a:xfrm flipH="1">
+            <a:off x="663787" y="2807368"/>
+            <a:ext cx="7905" cy="621632"/>
+          </a:xfrm>
+          <a:prstGeom prst="line">
+            <a:avLst/>
+          </a:prstGeom>
+        </p:spPr>
+        <p:style>
+          <a:lnRef idx="1">
+            <a:schemeClr val="dk1"/>
+          </a:lnRef>
+          <a:fillRef idx="0">
+            <a:schemeClr val="dk1"/>
+          </a:fillRef>
+          <a:effectRef idx="0">
+            <a:schemeClr val="dk1"/>
+          </a:effectRef>
+          <a:fontRef idx="minor">
+            <a:schemeClr val="tx1"/>
+          </a:fontRef>
+        </p:style>
+      </p:cxnSp>
+      <p:cxnSp>
+        <p:nvCxnSpPr>
+          <p:cNvPr id="68" name="直線コネクタ 67">
+            <a:extLst>
+              <a:ext uri="{FF2B5EF4-FFF2-40B4-BE49-F238E27FC236}">
+                <a16:creationId xmlns:a16="http://schemas.microsoft.com/office/drawing/2014/main" id="{E5F9F46F-C8D8-45DE-B0CD-3B9C09941EFD}"/>
+              </a:ext>
+            </a:extLst>
+          </p:cNvPr>
+          <p:cNvCxnSpPr>
+            <a:cxnSpLocks/>
+          </p:cNvCxnSpPr>
+          <p:nvPr/>
+        </p:nvCxnSpPr>
+        <p:spPr>
+          <a:xfrm flipH="1">
+            <a:off x="2886737" y="1131966"/>
+            <a:ext cx="0" cy="1296000"/>
+          </a:xfrm>
+          <a:prstGeom prst="line">
+            <a:avLst/>
+          </a:prstGeom>
+          <a:ln w="76200">
+            <a:solidFill>
+              <a:schemeClr val="tx1"/>
+            </a:solidFill>
+          </a:ln>
+        </p:spPr>
+        <p:style>
+          <a:lnRef idx="1">
+            <a:schemeClr val="dk1"/>
+          </a:lnRef>
+          <a:fillRef idx="0">
+            <a:schemeClr val="dk1"/>
+          </a:fillRef>
+          <a:effectRef idx="0">
+            <a:schemeClr val="dk1"/>
+          </a:effectRef>
+          <a:fontRef idx="minor">
+            <a:schemeClr val="tx1"/>
+          </a:fontRef>
+        </p:style>
+      </p:cxnSp>
+      <p:cxnSp>
+        <p:nvCxnSpPr>
+          <p:cNvPr id="70" name="直線コネクタ 69">
+            <a:extLst>
+              <a:ext uri="{FF2B5EF4-FFF2-40B4-BE49-F238E27FC236}">
+                <a16:creationId xmlns:a16="http://schemas.microsoft.com/office/drawing/2014/main" id="{1702D286-08CF-4C8E-A518-A8B4C0AC61F0}"/>
+              </a:ext>
+            </a:extLst>
+          </p:cNvPr>
+          <p:cNvCxnSpPr>
+            <a:cxnSpLocks/>
+          </p:cNvCxnSpPr>
+          <p:nvPr/>
+        </p:nvCxnSpPr>
+        <p:spPr>
+          <a:xfrm flipH="1">
+            <a:off x="11477284" y="1131966"/>
+            <a:ext cx="0" cy="1296000"/>
+          </a:xfrm>
+          <a:prstGeom prst="line">
+            <a:avLst/>
+          </a:prstGeom>
+          <a:ln w="76200">
+            <a:solidFill>
+              <a:schemeClr val="tx1"/>
+            </a:solidFill>
+          </a:ln>
+        </p:spPr>
+        <p:style>
+          <a:lnRef idx="1">
+            <a:schemeClr val="dk1"/>
+          </a:lnRef>
+          <a:fillRef idx="0">
+            <a:schemeClr val="dk1"/>
+          </a:fillRef>
+          <a:effectRef idx="0">
+            <a:schemeClr val="dk1"/>
+          </a:effectRef>
+          <a:fontRef idx="minor">
+            <a:schemeClr val="tx1"/>
+          </a:fontRef>
+        </p:style>
+      </p:cxnSp>
+      <p:cxnSp>
+        <p:nvCxnSpPr>
+          <p:cNvPr id="71" name="直線矢印コネクタ 70">
+            <a:extLst>
+              <a:ext uri="{FF2B5EF4-FFF2-40B4-BE49-F238E27FC236}">
+                <a16:creationId xmlns:a16="http://schemas.microsoft.com/office/drawing/2014/main" id="{5F4A342D-58C0-4C1D-B1D9-A97A0EB4DBC1}"/>
+              </a:ext>
+            </a:extLst>
+          </p:cNvPr>
+          <p:cNvCxnSpPr>
+            <a:cxnSpLocks/>
+          </p:cNvCxnSpPr>
+          <p:nvPr/>
+        </p:nvCxnSpPr>
+        <p:spPr>
+          <a:xfrm>
+            <a:off x="6462066" y="3404935"/>
+            <a:ext cx="866673" cy="1"/>
+          </a:xfrm>
+          <a:prstGeom prst="straightConnector1">
+            <a:avLst/>
+          </a:prstGeom>
+          <a:ln>
+            <a:tailEnd type="triangle"/>
+          </a:ln>
+        </p:spPr>
+        <p:style>
+          <a:lnRef idx="1">
+            <a:schemeClr val="dk1"/>
+          </a:lnRef>
+          <a:fillRef idx="0">
+            <a:schemeClr val="dk1"/>
+          </a:fillRef>
+          <a:effectRef idx="0">
+            <a:schemeClr val="dk1"/>
+          </a:effectRef>
+          <a:fontRef idx="minor">
+            <a:schemeClr val="tx1"/>
+          </a:fontRef>
+        </p:style>
+      </p:cxnSp>
+      <p:cxnSp>
+        <p:nvCxnSpPr>
+          <p:cNvPr id="72" name="直線矢印コネクタ 71">
+            <a:extLst>
+              <a:ext uri="{FF2B5EF4-FFF2-40B4-BE49-F238E27FC236}">
+                <a16:creationId xmlns:a16="http://schemas.microsoft.com/office/drawing/2014/main" id="{BB2D977E-F54A-4280-B363-A2B84E9A75B2}"/>
+              </a:ext>
+            </a:extLst>
+          </p:cNvPr>
+          <p:cNvCxnSpPr>
+            <a:cxnSpLocks/>
+          </p:cNvCxnSpPr>
+          <p:nvPr/>
+        </p:nvCxnSpPr>
+        <p:spPr>
+          <a:xfrm>
+            <a:off x="6490527" y="4531895"/>
+            <a:ext cx="866673" cy="1"/>
+          </a:xfrm>
+          <a:prstGeom prst="straightConnector1">
+            <a:avLst/>
+          </a:prstGeom>
+          <a:ln>
+            <a:tailEnd type="triangle"/>
+          </a:ln>
+        </p:spPr>
+        <p:style>
+          <a:lnRef idx="1">
+            <a:schemeClr val="dk1"/>
+          </a:lnRef>
+          <a:fillRef idx="0">
+            <a:schemeClr val="dk1"/>
+          </a:fillRef>
+          <a:effectRef idx="0">
+            <a:schemeClr val="dk1"/>
+          </a:effectRef>
+          <a:fontRef idx="minor">
+            <a:schemeClr val="tx1"/>
+          </a:fontRef>
+        </p:style>
+      </p:cxnSp>
+      <p:sp>
+        <p:nvSpPr>
+          <p:cNvPr id="73" name="テキスト ボックス 72">
+            <a:extLst>
+              <a:ext uri="{FF2B5EF4-FFF2-40B4-BE49-F238E27FC236}">
+                <a16:creationId xmlns:a16="http://schemas.microsoft.com/office/drawing/2014/main" id="{17430149-8667-452B-A13C-AFC3D6E13C18}"/>
+              </a:ext>
+            </a:extLst>
+          </p:cNvPr>
+          <p:cNvSpPr txBox="1"/>
+          <p:nvPr/>
+        </p:nvSpPr>
+        <p:spPr>
+          <a:xfrm>
+            <a:off x="3671549" y="3450969"/>
+            <a:ext cx="1107996" cy="369332"/>
+          </a:xfrm>
+          <a:prstGeom prst="rect">
+            <a:avLst/>
+          </a:prstGeom>
+          <a:noFill/>
+        </p:spPr>
+        <p:txBody>
+          <a:bodyPr wrap="none" rtlCol="0">
+            <a:spAutoFit/>
+          </a:bodyPr>
+          <a:lstStyle/>
+          <a:p>
+            <a:r>
+              <a:rPr kumimoji="1" lang="ja-JP" altLang="en-US" dirty="0"/>
+              <a:t>照会成功</a:t>
+            </a:r>
+          </a:p>
+        </p:txBody>
+      </p:sp>
+      <p:sp>
+        <p:nvSpPr>
+          <p:cNvPr id="75" name="テキスト ボックス 74">
+            <a:extLst>
+              <a:ext uri="{FF2B5EF4-FFF2-40B4-BE49-F238E27FC236}">
+                <a16:creationId xmlns:a16="http://schemas.microsoft.com/office/drawing/2014/main" id="{A24E5D69-88DA-4B3D-84CF-1A59413BDA35}"/>
+              </a:ext>
+            </a:extLst>
+          </p:cNvPr>
+          <p:cNvSpPr txBox="1"/>
+          <p:nvPr/>
+        </p:nvSpPr>
+        <p:spPr>
+          <a:xfrm>
+            <a:off x="3628373" y="4603903"/>
+            <a:ext cx="1107996" cy="369332"/>
+          </a:xfrm>
+          <a:prstGeom prst="rect">
+            <a:avLst/>
+          </a:prstGeom>
+          <a:noFill/>
+        </p:spPr>
+        <p:txBody>
+          <a:bodyPr wrap="none" rtlCol="0">
+            <a:spAutoFit/>
+          </a:bodyPr>
+          <a:lstStyle/>
+          <a:p>
+            <a:r>
+              <a:rPr kumimoji="1" lang="ja-JP" altLang="en-US" dirty="0"/>
+              <a:t>照会</a:t>
+            </a:r>
+            <a:r>
+              <a:rPr lang="ja-JP" altLang="en-US" dirty="0"/>
+              <a:t>失敗</a:t>
+            </a:r>
+            <a:endParaRPr kumimoji="1" lang="ja-JP" altLang="en-US" dirty="0"/>
+          </a:p>
+        </p:txBody>
+      </p:sp>
+      <p:sp>
+        <p:nvSpPr>
+          <p:cNvPr id="76" name="フローチャート: 結合子 75">
+            <a:extLst>
+              <a:ext uri="{FF2B5EF4-FFF2-40B4-BE49-F238E27FC236}">
+                <a16:creationId xmlns:a16="http://schemas.microsoft.com/office/drawing/2014/main" id="{0927F3F7-C806-4A1F-B070-F82EBB172F89}"/>
+              </a:ext>
+            </a:extLst>
+          </p:cNvPr>
+          <p:cNvSpPr/>
+          <p:nvPr/>
+        </p:nvSpPr>
+        <p:spPr>
+          <a:xfrm>
+            <a:off x="7456832" y="3178435"/>
+            <a:ext cx="457200" cy="457200"/>
+          </a:xfrm>
+          <a:prstGeom prst="flowChartConnector">
+            <a:avLst/>
+          </a:prstGeom>
+        </p:spPr>
+        <p:style>
+          <a:lnRef idx="2">
+            <a:schemeClr val="dk1">
+              <a:shade val="50000"/>
+            </a:schemeClr>
+          </a:lnRef>
+          <a:fillRef idx="1">
+            <a:schemeClr val="dk1"/>
+          </a:fillRef>
+          <a:effectRef idx="0">
+            <a:schemeClr val="dk1"/>
+          </a:effectRef>
+          <a:fontRef idx="minor">
+            <a:schemeClr val="lt1"/>
+          </a:fontRef>
+        </p:style>
+        <p:txBody>
+          <a:bodyPr rtlCol="0" anchor="ctr"/>
+          <a:lstStyle/>
+          <a:p>
+            <a:pPr algn="ctr"/>
+            <a:endParaRPr kumimoji="1" lang="ja-JP" altLang="en-US"/>
+          </a:p>
+        </p:txBody>
+      </p:sp>
+      <p:sp>
+        <p:nvSpPr>
+          <p:cNvPr id="80" name="フローチャート: 結合子 79">
+            <a:extLst>
+              <a:ext uri="{FF2B5EF4-FFF2-40B4-BE49-F238E27FC236}">
+                <a16:creationId xmlns:a16="http://schemas.microsoft.com/office/drawing/2014/main" id="{F85A1010-01F5-41F9-92CF-3C7282DB1C6D}"/>
+              </a:ext>
+            </a:extLst>
+          </p:cNvPr>
+          <p:cNvSpPr/>
+          <p:nvPr/>
+        </p:nvSpPr>
+        <p:spPr>
+          <a:xfrm>
+            <a:off x="7392947" y="4191865"/>
+            <a:ext cx="677515" cy="680059"/>
+          </a:xfrm>
+          <a:prstGeom prst="flowChartConnector">
+            <a:avLst/>
+          </a:prstGeom>
+        </p:spPr>
+        <p:style>
+          <a:lnRef idx="2">
+            <a:schemeClr val="dk1"/>
+          </a:lnRef>
+          <a:fillRef idx="1">
+            <a:schemeClr val="lt1"/>
+          </a:fillRef>
+          <a:effectRef idx="0">
+            <a:schemeClr val="dk1"/>
+          </a:effectRef>
+          <a:fontRef idx="minor">
+            <a:schemeClr val="dk1"/>
+          </a:fontRef>
+        </p:style>
+        <p:txBody>
+          <a:bodyPr rtlCol="0" anchor="ctr"/>
+          <a:lstStyle/>
+          <a:p>
+            <a:pPr algn="ctr"/>
+            <a:endParaRPr kumimoji="1" lang="ja-JP" altLang="en-US"/>
+          </a:p>
+        </p:txBody>
+      </p:sp>
+      <p:cxnSp>
+        <p:nvCxnSpPr>
+          <p:cNvPr id="82" name="直線コネクタ 81">
+            <a:extLst>
+              <a:ext uri="{FF2B5EF4-FFF2-40B4-BE49-F238E27FC236}">
+                <a16:creationId xmlns:a16="http://schemas.microsoft.com/office/drawing/2014/main" id="{BA8BDB89-14F6-4EB9-AC27-5D0D036FD4F3}"/>
+              </a:ext>
+            </a:extLst>
+          </p:cNvPr>
+          <p:cNvCxnSpPr>
+            <a:cxnSpLocks/>
+            <a:stCxn id="80" idx="1"/>
+            <a:endCxn id="80" idx="5"/>
+          </p:cNvCxnSpPr>
+          <p:nvPr/>
+        </p:nvCxnSpPr>
+        <p:spPr>
+          <a:xfrm>
+            <a:off x="7492167" y="4291457"/>
+            <a:ext cx="479075" cy="480875"/>
+          </a:xfrm>
+          <a:prstGeom prst="line">
+            <a:avLst/>
+          </a:prstGeom>
+        </p:spPr>
+        <p:style>
+          <a:lnRef idx="1">
+            <a:schemeClr val="dk1"/>
+          </a:lnRef>
+          <a:fillRef idx="0">
+            <a:schemeClr val="dk1"/>
+          </a:fillRef>
+          <a:effectRef idx="0">
+            <a:schemeClr val="dk1"/>
+          </a:effectRef>
+          <a:fontRef idx="minor">
+            <a:schemeClr val="tx1"/>
+          </a:fontRef>
+        </p:style>
+      </p:cxnSp>
+      <p:cxnSp>
+        <p:nvCxnSpPr>
+          <p:cNvPr id="84" name="直線コネクタ 83">
+            <a:extLst>
+              <a:ext uri="{FF2B5EF4-FFF2-40B4-BE49-F238E27FC236}">
+                <a16:creationId xmlns:a16="http://schemas.microsoft.com/office/drawing/2014/main" id="{6F827468-656B-4909-8257-8066D4AA01C6}"/>
+              </a:ext>
+            </a:extLst>
+          </p:cNvPr>
+          <p:cNvCxnSpPr>
+            <a:cxnSpLocks/>
+            <a:stCxn id="80" idx="7"/>
+            <a:endCxn id="80" idx="3"/>
+          </p:cNvCxnSpPr>
+          <p:nvPr/>
+        </p:nvCxnSpPr>
+        <p:spPr>
+          <a:xfrm flipH="1">
+            <a:off x="7492167" y="4291457"/>
+            <a:ext cx="479075" cy="480875"/>
+          </a:xfrm>
+          <a:prstGeom prst="line">
+            <a:avLst/>
+          </a:prstGeom>
+        </p:spPr>
+        <p:style>
+          <a:lnRef idx="1">
+            <a:schemeClr val="dk1"/>
+          </a:lnRef>
+          <a:fillRef idx="0">
+            <a:schemeClr val="dk1"/>
+          </a:fillRef>
+          <a:effectRef idx="0">
+            <a:schemeClr val="dk1"/>
+          </a:effectRef>
+          <a:fontRef idx="minor">
+            <a:schemeClr val="tx1"/>
+          </a:fontRef>
+        </p:style>
+      </p:cxnSp>
+    </p:spTree>
+    <p:extLst>
+      <p:ext uri="{BB962C8B-B14F-4D97-AF65-F5344CB8AC3E}">
+        <p14:creationId xmlns:p14="http://schemas.microsoft.com/office/powerpoint/2010/main" val="2593161010"/>
+      </p:ext>
+    </p:extLst>
+  </p:cSld>
+  <p:clrMapOvr>
+    <a:masterClrMapping/>
+  </p:clrMapOvr>
+</p:sld>
+</file>
+
 <file path=ppt/theme/theme1.xml><?xml version="1.0" encoding="utf-8"?>
 <a:theme xmlns:a="http://schemas.openxmlformats.org/drawingml/2006/main" name="Office テーマ">
   <a:themeElements>
